--- a/docs/Thuyết trình/New.pptx
+++ b/docs/Thuyết trình/New.pptx
@@ -5,10 +5,10 @@
     <p:sldMasterId id="2147483648" r:id="rId1"/>
   </p:sldMasterIdLst>
   <p:notesMasterIdLst>
-    <p:notesMasterId r:id="rId24"/>
+    <p:notesMasterId r:id="rId25"/>
   </p:notesMasterIdLst>
   <p:handoutMasterIdLst>
-    <p:handoutMasterId r:id="rId25"/>
+    <p:handoutMasterId r:id="rId26"/>
   </p:handoutMasterIdLst>
   <p:sldIdLst>
     <p:sldId id="256" r:id="rId2"/>
@@ -26,13 +26,14 @@
     <p:sldId id="309" r:id="rId14"/>
     <p:sldId id="260" r:id="rId15"/>
     <p:sldId id="310" r:id="rId16"/>
-    <p:sldId id="312" r:id="rId17"/>
-    <p:sldId id="313" r:id="rId18"/>
-    <p:sldId id="318" r:id="rId19"/>
-    <p:sldId id="319" r:id="rId20"/>
-    <p:sldId id="315" r:id="rId21"/>
-    <p:sldId id="316" r:id="rId22"/>
-    <p:sldId id="276" r:id="rId23"/>
+    <p:sldId id="320" r:id="rId17"/>
+    <p:sldId id="312" r:id="rId18"/>
+    <p:sldId id="313" r:id="rId19"/>
+    <p:sldId id="318" r:id="rId20"/>
+    <p:sldId id="319" r:id="rId21"/>
+    <p:sldId id="315" r:id="rId22"/>
+    <p:sldId id="316" r:id="rId23"/>
+    <p:sldId id="276" r:id="rId24"/>
   </p:sldIdLst>
   <p:sldSz cx="9144000" cy="6858000" type="screen4x3"/>
   <p:notesSz cx="7102475" cy="8991600"/>
@@ -488,7 +489,7 @@
             <a:fld id="{AE734413-4D24-47FF-BA33-738B232874A7}" type="datetimeFigureOut">
               <a:rPr lang="en-US" smtClean="0"/>
               <a:pPr/>
-              <a:t>5/11/2015</a:t>
+              <a:t>5/13/2015</a:t>
             </a:fld>
             <a:endParaRPr lang="en-US"/>
           </a:p>
@@ -1027,6 +1028,384 @@
           <a:p>
             <a:r>
               <a:rPr lang="en-US" smtClean="0"/>
+              <a:t>4 Tác</a:t>
+            </a:r>
+            <a:r>
+              <a:rPr lang="en-US" baseline="0" smtClean="0"/>
+              <a:t> nhân</a:t>
+            </a:r>
+            <a:endParaRPr lang="en-US"/>
+          </a:p>
+        </p:txBody>
+      </p:sp>
+      <p:sp>
+        <p:nvSpPr>
+          <p:cNvPr id="4" name="Slide Number Placeholder 3"/>
+          <p:cNvSpPr>
+            <a:spLocks noGrp="1"/>
+          </p:cNvSpPr>
+          <p:nvPr>
+            <p:ph type="sldNum" sz="quarter" idx="10"/>
+          </p:nvPr>
+        </p:nvSpPr>
+        <p:spPr/>
+        <p:txBody>
+          <a:bodyPr/>
+          <a:lstStyle/>
+          <a:p>
+            <a:fld id="{BBCD07B7-96F5-4C30-B1AE-663A2A3D75FB}" type="slidenum">
+              <a:rPr lang="en-US" smtClean="0"/>
+              <a:pPr/>
+              <a:t>7</a:t>
+            </a:fld>
+            <a:endParaRPr lang="en-US"/>
+          </a:p>
+        </p:txBody>
+      </p:sp>
+    </p:spTree>
+    <p:extLst>
+      <p:ext uri="{BB962C8B-B14F-4D97-AF65-F5344CB8AC3E}">
+        <p14:creationId xmlns:p14="http://schemas.microsoft.com/office/powerpoint/2010/main" val="1970232015"/>
+      </p:ext>
+    </p:extLst>
+  </p:cSld>
+  <p:clrMapOvr>
+    <a:masterClrMapping/>
+  </p:clrMapOvr>
+</p:notes>
+</file>
+
+<file path=ppt/notesSlides/notesSlide4.xml><?xml version="1.0" encoding="utf-8"?>
+<p:notes xmlns:a="http://schemas.openxmlformats.org/drawingml/2006/main" xmlns:r="http://schemas.openxmlformats.org/officeDocument/2006/relationships" xmlns:p="http://schemas.openxmlformats.org/presentationml/2006/main">
+  <p:cSld>
+    <p:spTree>
+      <p:nvGrpSpPr>
+        <p:cNvPr id="1" name=""/>
+        <p:cNvGrpSpPr/>
+        <p:nvPr/>
+      </p:nvGrpSpPr>
+      <p:grpSpPr>
+        <a:xfrm>
+          <a:off x="0" y="0"/>
+          <a:ext cx="0" cy="0"/>
+          <a:chOff x="0" y="0"/>
+          <a:chExt cx="0" cy="0"/>
+        </a:xfrm>
+      </p:grpSpPr>
+      <p:sp>
+        <p:nvSpPr>
+          <p:cNvPr id="2" name="Slide Image Placeholder 1"/>
+          <p:cNvSpPr>
+            <a:spLocks noGrp="1" noRot="1" noChangeAspect="1"/>
+          </p:cNvSpPr>
+          <p:nvPr>
+            <p:ph type="sldImg"/>
+          </p:nvPr>
+        </p:nvSpPr>
+        <p:spPr/>
+      </p:sp>
+      <p:sp>
+        <p:nvSpPr>
+          <p:cNvPr id="3" name="Notes Placeholder 2"/>
+          <p:cNvSpPr>
+            <a:spLocks noGrp="1"/>
+          </p:cNvSpPr>
+          <p:nvPr>
+            <p:ph type="body" idx="1"/>
+          </p:nvPr>
+        </p:nvSpPr>
+        <p:spPr/>
+        <p:txBody>
+          <a:bodyPr/>
+          <a:lstStyle/>
+          <a:p>
+            <a:r>
+              <a:rPr lang="en-US" smtClean="0"/>
+              <a:t>Cho điểm</a:t>
+            </a:r>
+            <a:r>
+              <a:rPr lang="en-US" baseline="0" smtClean="0"/>
+              <a:t> mới ở đâu</a:t>
+            </a:r>
+            <a:endParaRPr lang="en-US"/>
+          </a:p>
+        </p:txBody>
+      </p:sp>
+      <p:sp>
+        <p:nvSpPr>
+          <p:cNvPr id="4" name="Slide Number Placeholder 3"/>
+          <p:cNvSpPr>
+            <a:spLocks noGrp="1"/>
+          </p:cNvSpPr>
+          <p:nvPr>
+            <p:ph type="sldNum" sz="quarter" idx="10"/>
+          </p:nvPr>
+        </p:nvSpPr>
+        <p:spPr/>
+        <p:txBody>
+          <a:bodyPr/>
+          <a:lstStyle/>
+          <a:p>
+            <a:fld id="{BBCD07B7-96F5-4C30-B1AE-663A2A3D75FB}" type="slidenum">
+              <a:rPr lang="en-US" smtClean="0"/>
+              <a:pPr/>
+              <a:t>8</a:t>
+            </a:fld>
+            <a:endParaRPr lang="en-US"/>
+          </a:p>
+        </p:txBody>
+      </p:sp>
+    </p:spTree>
+    <p:extLst>
+      <p:ext uri="{BB962C8B-B14F-4D97-AF65-F5344CB8AC3E}">
+        <p14:creationId xmlns:p14="http://schemas.microsoft.com/office/powerpoint/2010/main" val="706118634"/>
+      </p:ext>
+    </p:extLst>
+  </p:cSld>
+  <p:clrMapOvr>
+    <a:masterClrMapping/>
+  </p:clrMapOvr>
+</p:notes>
+</file>
+
+<file path=ppt/notesSlides/notesSlide5.xml><?xml version="1.0" encoding="utf-8"?>
+<p:notes xmlns:a="http://schemas.openxmlformats.org/drawingml/2006/main" xmlns:r="http://schemas.openxmlformats.org/officeDocument/2006/relationships" xmlns:p="http://schemas.openxmlformats.org/presentationml/2006/main">
+  <p:cSld>
+    <p:spTree>
+      <p:nvGrpSpPr>
+        <p:cNvPr id="1" name=""/>
+        <p:cNvGrpSpPr/>
+        <p:nvPr/>
+      </p:nvGrpSpPr>
+      <p:grpSpPr>
+        <a:xfrm>
+          <a:off x="0" y="0"/>
+          <a:ext cx="0" cy="0"/>
+          <a:chOff x="0" y="0"/>
+          <a:chExt cx="0" cy="0"/>
+        </a:xfrm>
+      </p:grpSpPr>
+      <p:sp>
+        <p:nvSpPr>
+          <p:cNvPr id="2" name="Slide Image Placeholder 1"/>
+          <p:cNvSpPr>
+            <a:spLocks noGrp="1" noRot="1" noChangeAspect="1"/>
+          </p:cNvSpPr>
+          <p:nvPr>
+            <p:ph type="sldImg"/>
+          </p:nvPr>
+        </p:nvSpPr>
+        <p:spPr/>
+      </p:sp>
+      <p:sp>
+        <p:nvSpPr>
+          <p:cNvPr id="3" name="Notes Placeholder 2"/>
+          <p:cNvSpPr>
+            <a:spLocks noGrp="1"/>
+          </p:cNvSpPr>
+          <p:nvPr>
+            <p:ph type="body" idx="1"/>
+          </p:nvPr>
+        </p:nvSpPr>
+        <p:spPr/>
+        <p:txBody>
+          <a:bodyPr/>
+          <a:lstStyle/>
+          <a:p>
+            <a:r>
+              <a:rPr lang="en-US" smtClean="0"/>
+              <a:t>Thông</a:t>
+            </a:r>
+            <a:r>
+              <a:rPr lang="en-US" baseline="0" smtClean="0"/>
+              <a:t> tin ban đầu</a:t>
+            </a:r>
+            <a:endParaRPr lang="en-US"/>
+          </a:p>
+        </p:txBody>
+      </p:sp>
+      <p:sp>
+        <p:nvSpPr>
+          <p:cNvPr id="4" name="Slide Number Placeholder 3"/>
+          <p:cNvSpPr>
+            <a:spLocks noGrp="1"/>
+          </p:cNvSpPr>
+          <p:nvPr>
+            <p:ph type="sldNum" sz="quarter" idx="10"/>
+          </p:nvPr>
+        </p:nvSpPr>
+        <p:spPr/>
+        <p:txBody>
+          <a:bodyPr/>
+          <a:lstStyle/>
+          <a:p>
+            <a:fld id="{BBCD07B7-96F5-4C30-B1AE-663A2A3D75FB}" type="slidenum">
+              <a:rPr lang="en-US" smtClean="0"/>
+              <a:pPr/>
+              <a:t>10</a:t>
+            </a:fld>
+            <a:endParaRPr lang="en-US"/>
+          </a:p>
+        </p:txBody>
+      </p:sp>
+    </p:spTree>
+    <p:extLst>
+      <p:ext uri="{BB962C8B-B14F-4D97-AF65-F5344CB8AC3E}">
+        <p14:creationId xmlns:p14="http://schemas.microsoft.com/office/powerpoint/2010/main" val="932449242"/>
+      </p:ext>
+    </p:extLst>
+  </p:cSld>
+  <p:clrMapOvr>
+    <a:masterClrMapping/>
+  </p:clrMapOvr>
+</p:notes>
+</file>
+
+<file path=ppt/notesSlides/notesSlide6.xml><?xml version="1.0" encoding="utf-8"?>
+<p:notes xmlns:a="http://schemas.openxmlformats.org/drawingml/2006/main" xmlns:r="http://schemas.openxmlformats.org/officeDocument/2006/relationships" xmlns:p="http://schemas.openxmlformats.org/presentationml/2006/main">
+  <p:cSld>
+    <p:spTree>
+      <p:nvGrpSpPr>
+        <p:cNvPr id="1" name=""/>
+        <p:cNvGrpSpPr/>
+        <p:nvPr/>
+      </p:nvGrpSpPr>
+      <p:grpSpPr>
+        <a:xfrm>
+          <a:off x="0" y="0"/>
+          <a:ext cx="0" cy="0"/>
+          <a:chOff x="0" y="0"/>
+          <a:chExt cx="0" cy="0"/>
+        </a:xfrm>
+      </p:grpSpPr>
+      <p:sp>
+        <p:nvSpPr>
+          <p:cNvPr id="2" name="Slide Image Placeholder 1"/>
+          <p:cNvSpPr>
+            <a:spLocks noGrp="1" noRot="1" noChangeAspect="1"/>
+          </p:cNvSpPr>
+          <p:nvPr>
+            <p:ph type="sldImg"/>
+          </p:nvPr>
+        </p:nvSpPr>
+        <p:spPr/>
+      </p:sp>
+      <p:sp>
+        <p:nvSpPr>
+          <p:cNvPr id="3" name="Notes Placeholder 2"/>
+          <p:cNvSpPr>
+            <a:spLocks noGrp="1"/>
+          </p:cNvSpPr>
+          <p:nvPr>
+            <p:ph type="body" idx="1"/>
+          </p:nvPr>
+        </p:nvSpPr>
+        <p:spPr/>
+        <p:txBody>
+          <a:bodyPr/>
+          <a:lstStyle/>
+          <a:p>
+            <a:r>
+              <a:rPr lang="en-US" smtClean="0"/>
+              <a:t>Thức</a:t>
+            </a:r>
+            <a:r>
+              <a:rPr lang="en-US" baseline="0" smtClean="0"/>
+              <a:t> chất 2 mô hình vẫn là 1 nhưng để tiện theo dõi </a:t>
+            </a:r>
+            <a:r>
+              <a:rPr lang="en-US" baseline="0" smtClean="0">
+                <a:sym typeface="Wingdings" panose="05000000000000000000" pitchFamily="2" charset="2"/>
+              </a:rPr>
+              <a:t> tách làm 2(có tham khảo thầy cô rồi)</a:t>
+            </a:r>
+            <a:endParaRPr lang="en-US"/>
+          </a:p>
+        </p:txBody>
+      </p:sp>
+      <p:sp>
+        <p:nvSpPr>
+          <p:cNvPr id="4" name="Slide Number Placeholder 3"/>
+          <p:cNvSpPr>
+            <a:spLocks noGrp="1"/>
+          </p:cNvSpPr>
+          <p:nvPr>
+            <p:ph type="sldNum" sz="quarter" idx="10"/>
+          </p:nvPr>
+        </p:nvSpPr>
+        <p:spPr/>
+        <p:txBody>
+          <a:bodyPr/>
+          <a:lstStyle/>
+          <a:p>
+            <a:fld id="{BBCD07B7-96F5-4C30-B1AE-663A2A3D75FB}" type="slidenum">
+              <a:rPr lang="en-US" smtClean="0"/>
+              <a:pPr/>
+              <a:t>12</a:t>
+            </a:fld>
+            <a:endParaRPr lang="en-US"/>
+          </a:p>
+        </p:txBody>
+      </p:sp>
+    </p:spTree>
+    <p:extLst>
+      <p:ext uri="{BB962C8B-B14F-4D97-AF65-F5344CB8AC3E}">
+        <p14:creationId xmlns:p14="http://schemas.microsoft.com/office/powerpoint/2010/main" val="1470594843"/>
+      </p:ext>
+    </p:extLst>
+  </p:cSld>
+  <p:clrMapOvr>
+    <a:masterClrMapping/>
+  </p:clrMapOvr>
+</p:notes>
+</file>
+
+<file path=ppt/notesSlides/notesSlide7.xml><?xml version="1.0" encoding="utf-8"?>
+<p:notes xmlns:a="http://schemas.openxmlformats.org/drawingml/2006/main" xmlns:r="http://schemas.openxmlformats.org/officeDocument/2006/relationships" xmlns:p="http://schemas.openxmlformats.org/presentationml/2006/main">
+  <p:cSld>
+    <p:spTree>
+      <p:nvGrpSpPr>
+        <p:cNvPr id="1" name=""/>
+        <p:cNvGrpSpPr/>
+        <p:nvPr/>
+      </p:nvGrpSpPr>
+      <p:grpSpPr>
+        <a:xfrm>
+          <a:off x="0" y="0"/>
+          <a:ext cx="0" cy="0"/>
+          <a:chOff x="0" y="0"/>
+          <a:chExt cx="0" cy="0"/>
+        </a:xfrm>
+      </p:grpSpPr>
+      <p:sp>
+        <p:nvSpPr>
+          <p:cNvPr id="2" name="Slide Image Placeholder 1"/>
+          <p:cNvSpPr>
+            <a:spLocks noGrp="1" noRot="1" noChangeAspect="1"/>
+          </p:cNvSpPr>
+          <p:nvPr>
+            <p:ph type="sldImg"/>
+          </p:nvPr>
+        </p:nvSpPr>
+        <p:spPr/>
+      </p:sp>
+      <p:sp>
+        <p:nvSpPr>
+          <p:cNvPr id="3" name="Notes Placeholder 2"/>
+          <p:cNvSpPr>
+            <a:spLocks noGrp="1"/>
+          </p:cNvSpPr>
+          <p:nvPr>
+            <p:ph type="body" idx="1"/>
+          </p:nvPr>
+        </p:nvSpPr>
+        <p:spPr/>
+        <p:txBody>
+          <a:bodyPr/>
+          <a:lstStyle/>
+          <a:p>
+            <a:r>
+              <a:rPr lang="en-US" smtClean="0"/>
               <a:t>Đề</a:t>
             </a:r>
             <a:r>
@@ -1065,6 +1444,202 @@
     <p:extLst>
       <p:ext uri="{BB962C8B-B14F-4D97-AF65-F5344CB8AC3E}">
         <p14:creationId xmlns:p14="http://schemas.microsoft.com/office/powerpoint/2010/main" val="2643006378"/>
+      </p:ext>
+    </p:extLst>
+  </p:cSld>
+  <p:clrMapOvr>
+    <a:masterClrMapping/>
+  </p:clrMapOvr>
+</p:notes>
+</file>
+
+<file path=ppt/notesSlides/notesSlide8.xml><?xml version="1.0" encoding="utf-8"?>
+<p:notes xmlns:a="http://schemas.openxmlformats.org/drawingml/2006/main" xmlns:r="http://schemas.openxmlformats.org/officeDocument/2006/relationships" xmlns:p="http://schemas.openxmlformats.org/presentationml/2006/main">
+  <p:cSld>
+    <p:spTree>
+      <p:nvGrpSpPr>
+        <p:cNvPr id="1" name=""/>
+        <p:cNvGrpSpPr/>
+        <p:nvPr/>
+      </p:nvGrpSpPr>
+      <p:grpSpPr>
+        <a:xfrm>
+          <a:off x="0" y="0"/>
+          <a:ext cx="0" cy="0"/>
+          <a:chOff x="0" y="0"/>
+          <a:chExt cx="0" cy="0"/>
+        </a:xfrm>
+      </p:grpSpPr>
+      <p:sp>
+        <p:nvSpPr>
+          <p:cNvPr id="2" name="Slide Image Placeholder 1"/>
+          <p:cNvSpPr>
+            <a:spLocks noGrp="1" noRot="1" noChangeAspect="1"/>
+          </p:cNvSpPr>
+          <p:nvPr>
+            <p:ph type="sldImg"/>
+          </p:nvPr>
+        </p:nvSpPr>
+        <p:spPr/>
+      </p:sp>
+      <p:sp>
+        <p:nvSpPr>
+          <p:cNvPr id="3" name="Notes Placeholder 2"/>
+          <p:cNvSpPr>
+            <a:spLocks noGrp="1"/>
+          </p:cNvSpPr>
+          <p:nvPr>
+            <p:ph type="body" idx="1"/>
+          </p:nvPr>
+        </p:nvSpPr>
+        <p:spPr/>
+        <p:txBody>
+          <a:bodyPr/>
+          <a:lstStyle/>
+          <a:p>
+            <a:r>
+              <a:rPr lang="en-US" smtClean="0"/>
+              <a:t>Ngoài</a:t>
+            </a:r>
+            <a:r>
+              <a:rPr lang="en-US" baseline="0" smtClean="0"/>
+              <a:t> những công nghệ như ajax, </a:t>
+            </a:r>
+            <a:r>
+              <a:rPr lang="en-US" baseline="0" smtClean="0"/>
+              <a:t>jquery </a:t>
+            </a:r>
+            <a:r>
+              <a:rPr lang="en-US" baseline="0" smtClean="0">
+                <a:sym typeface="Wingdings" panose="05000000000000000000" pitchFamily="2" charset="2"/>
+              </a:rPr>
+              <a:t> hien thi tot--.dac biet website cua emntn do</a:t>
+            </a:r>
+            <a:endParaRPr lang="en-US"/>
+          </a:p>
+        </p:txBody>
+      </p:sp>
+      <p:sp>
+        <p:nvSpPr>
+          <p:cNvPr id="4" name="Slide Number Placeholder 3"/>
+          <p:cNvSpPr>
+            <a:spLocks noGrp="1"/>
+          </p:cNvSpPr>
+          <p:nvPr>
+            <p:ph type="sldNum" sz="quarter" idx="10"/>
+          </p:nvPr>
+        </p:nvSpPr>
+        <p:spPr/>
+        <p:txBody>
+          <a:bodyPr/>
+          <a:lstStyle/>
+          <a:p>
+            <a:fld id="{BBCD07B7-96F5-4C30-B1AE-663A2A3D75FB}" type="slidenum">
+              <a:rPr lang="en-US" smtClean="0"/>
+              <a:pPr/>
+              <a:t>15</a:t>
+            </a:fld>
+            <a:endParaRPr lang="en-US"/>
+          </a:p>
+        </p:txBody>
+      </p:sp>
+    </p:spTree>
+    <p:extLst>
+      <p:ext uri="{BB962C8B-B14F-4D97-AF65-F5344CB8AC3E}">
+        <p14:creationId xmlns:p14="http://schemas.microsoft.com/office/powerpoint/2010/main" val="1940258816"/>
+      </p:ext>
+    </p:extLst>
+  </p:cSld>
+  <p:clrMapOvr>
+    <a:masterClrMapping/>
+  </p:clrMapOvr>
+</p:notes>
+</file>
+
+<file path=ppt/notesSlides/notesSlide9.xml><?xml version="1.0" encoding="utf-8"?>
+<p:notes xmlns:a="http://schemas.openxmlformats.org/drawingml/2006/main" xmlns:r="http://schemas.openxmlformats.org/officeDocument/2006/relationships" xmlns:p="http://schemas.openxmlformats.org/presentationml/2006/main">
+  <p:cSld>
+    <p:spTree>
+      <p:nvGrpSpPr>
+        <p:cNvPr id="1" name=""/>
+        <p:cNvGrpSpPr/>
+        <p:nvPr/>
+      </p:nvGrpSpPr>
+      <p:grpSpPr>
+        <a:xfrm>
+          <a:off x="0" y="0"/>
+          <a:ext cx="0" cy="0"/>
+          <a:chOff x="0" y="0"/>
+          <a:chExt cx="0" cy="0"/>
+        </a:xfrm>
+      </p:grpSpPr>
+      <p:sp>
+        <p:nvSpPr>
+          <p:cNvPr id="2" name="Slide Image Placeholder 1"/>
+          <p:cNvSpPr>
+            <a:spLocks noGrp="1" noRot="1" noChangeAspect="1"/>
+          </p:cNvSpPr>
+          <p:nvPr>
+            <p:ph type="sldImg"/>
+          </p:nvPr>
+        </p:nvSpPr>
+        <p:spPr/>
+      </p:sp>
+      <p:sp>
+        <p:nvSpPr>
+          <p:cNvPr id="3" name="Notes Placeholder 2"/>
+          <p:cNvSpPr>
+            <a:spLocks noGrp="1"/>
+          </p:cNvSpPr>
+          <p:nvPr>
+            <p:ph type="body" idx="1"/>
+          </p:nvPr>
+        </p:nvSpPr>
+        <p:spPr/>
+        <p:txBody>
+          <a:bodyPr/>
+          <a:lstStyle/>
+          <a:p>
+            <a:r>
+              <a:rPr lang="en-US" smtClean="0"/>
+              <a:t>De bao tri de lap trinh de</a:t>
+            </a:r>
+            <a:r>
+              <a:rPr lang="en-US" baseline="0" smtClean="0"/>
+              <a:t> nang cap</a:t>
+            </a:r>
+            <a:endParaRPr lang="en-US"/>
+          </a:p>
+        </p:txBody>
+      </p:sp>
+      <p:sp>
+        <p:nvSpPr>
+          <p:cNvPr id="4" name="Slide Number Placeholder 3"/>
+          <p:cNvSpPr>
+            <a:spLocks noGrp="1"/>
+          </p:cNvSpPr>
+          <p:nvPr>
+            <p:ph type="sldNum" sz="quarter" idx="10"/>
+          </p:nvPr>
+        </p:nvSpPr>
+        <p:spPr/>
+        <p:txBody>
+          <a:bodyPr/>
+          <a:lstStyle/>
+          <a:p>
+            <a:fld id="{BBCD07B7-96F5-4C30-B1AE-663A2A3D75FB}" type="slidenum">
+              <a:rPr lang="en-US" smtClean="0"/>
+              <a:pPr/>
+              <a:t>16</a:t>
+            </a:fld>
+            <a:endParaRPr lang="en-US"/>
+          </a:p>
+        </p:txBody>
+      </p:sp>
+    </p:spTree>
+    <p:extLst>
+      <p:ext uri="{BB962C8B-B14F-4D97-AF65-F5344CB8AC3E}">
+        <p14:creationId xmlns:p14="http://schemas.microsoft.com/office/powerpoint/2010/main" val="3248391909"/>
       </p:ext>
     </p:extLst>
   </p:cSld>
@@ -4838,17 +5413,7 @@
                 <a:latin typeface="Times New Roman" pitchFamily="18" charset="0"/>
                 <a:cs typeface="Times New Roman" pitchFamily="18" charset="0"/>
               </a:rPr>
-              <a:t>                     </a:t>
-            </a:r>
-            <a:r>
-              <a:rPr lang="en-US" sz="1800" i="1" smtClean="0">
-                <a:solidFill>
-                  <a:srgbClr val="000000"/>
-                </a:solidFill>
-                <a:latin typeface="Times New Roman" pitchFamily="18" charset="0"/>
-                <a:cs typeface="Times New Roman" pitchFamily="18" charset="0"/>
-              </a:rPr>
-              <a:t> Sinh </a:t>
+              <a:t>                      Sinh </a:t>
             </a:r>
             <a:r>
               <a:rPr lang="en-US" sz="1800" i="1" err="1" smtClean="0">
@@ -4888,8 +5453,25 @@
                 <a:latin typeface="Times New Roman" pitchFamily="18" charset="0"/>
                 <a:cs typeface="Times New Roman" pitchFamily="18" charset="0"/>
               </a:rPr>
-              <a:t> </a:t>
-            </a:r>
+              <a:t> hiện</a:t>
+            </a:r>
+            <a:r>
+              <a:rPr lang="en-US" sz="1800" smtClean="0">
+                <a:solidFill>
+                  <a:srgbClr val="000000"/>
+                </a:solidFill>
+                <a:latin typeface="Times New Roman" pitchFamily="18" charset="0"/>
+                <a:cs typeface="Times New Roman" pitchFamily="18" charset="0"/>
+              </a:rPr>
+              <a:t>:  ĐOÀN HOÀNG GIANG</a:t>
+            </a:r>
+          </a:p>
+          <a:p>
+            <a:pPr algn="l">
+              <a:lnSpc>
+                <a:spcPct val="150000"/>
+              </a:lnSpc>
+            </a:pPr>
             <a:r>
               <a:rPr lang="en-US" sz="1800" i="1" smtClean="0">
                 <a:solidFill>
@@ -4898,54 +5480,7 @@
                 <a:latin typeface="Times New Roman" pitchFamily="18" charset="0"/>
                 <a:cs typeface="Times New Roman" pitchFamily="18" charset="0"/>
               </a:rPr>
-              <a:t>hiện</a:t>
-            </a:r>
-            <a:r>
-              <a:rPr lang="en-US" sz="1800" smtClean="0">
-                <a:solidFill>
-                  <a:srgbClr val="000000"/>
-                </a:solidFill>
-                <a:latin typeface="Times New Roman" pitchFamily="18" charset="0"/>
-                <a:cs typeface="Times New Roman" pitchFamily="18" charset="0"/>
-              </a:rPr>
-              <a:t>:  </a:t>
-            </a:r>
-            <a:r>
-              <a:rPr lang="en-US" sz="1800" smtClean="0">
-                <a:solidFill>
-                  <a:srgbClr val="000000"/>
-                </a:solidFill>
-                <a:latin typeface="Times New Roman" pitchFamily="18" charset="0"/>
-                <a:cs typeface="Times New Roman" pitchFamily="18" charset="0"/>
-              </a:rPr>
-              <a:t>ĐOÀN HOÀNG GIANG</a:t>
-            </a:r>
-          </a:p>
-          <a:p>
-            <a:pPr algn="l">
-              <a:lnSpc>
-                <a:spcPct val="150000"/>
-              </a:lnSpc>
-            </a:pPr>
-            <a:r>
-              <a:rPr lang="en-US" sz="1800" i="1" smtClean="0">
-                <a:solidFill>
-                  <a:srgbClr val="000000"/>
-                </a:solidFill>
-                <a:latin typeface="Times New Roman" pitchFamily="18" charset="0"/>
-                <a:cs typeface="Times New Roman" pitchFamily="18" charset="0"/>
-              </a:rPr>
-              <a:t>                                               </a:t>
-            </a:r>
-            <a:r>
-              <a:rPr lang="en-US" sz="1800" i="1" smtClean="0">
-                <a:solidFill>
-                  <a:srgbClr val="000000"/>
-                </a:solidFill>
-                <a:latin typeface="Times New Roman" pitchFamily="18" charset="0"/>
-                <a:cs typeface="Times New Roman" pitchFamily="18" charset="0"/>
-              </a:rPr>
-              <a:t> Lớp</a:t>
+              <a:t>                                                Lớp</a:t>
             </a:r>
             <a:r>
               <a:rPr lang="en-US" sz="1800" smtClean="0">
@@ -5636,6 +6171,10 @@
               <a:pPr algn="r"/>
               <a:t>10</a:t>
             </a:fld>
+            <a:r>
+              <a:rPr lang="en-US" smtClean="0"/>
+              <a:t>/23</a:t>
+            </a:r>
             <a:endParaRPr lang="en-US"/>
           </a:p>
         </p:txBody>
@@ -5649,7 +6188,7 @@
           <p:nvPr/>
         </p:nvPicPr>
         <p:blipFill>
-          <a:blip r:embed="rId2"/>
+          <a:blip r:embed="rId3"/>
           <a:stretch>
             <a:fillRect/>
           </a:stretch>
@@ -5779,6 +6318,10 @@
               <a:pPr algn="r"/>
               <a:t>11</a:t>
             </a:fld>
+            <a:r>
+              <a:rPr lang="en-US" smtClean="0"/>
+              <a:t>/23</a:t>
+            </a:r>
             <a:endParaRPr lang="en-US"/>
           </a:p>
         </p:txBody>
@@ -5923,6 +6466,10 @@
               <a:pPr algn="r"/>
               <a:t>12</a:t>
             </a:fld>
+            <a:r>
+              <a:rPr lang="en-US" smtClean="0"/>
+              <a:t>/23</a:t>
+            </a:r>
             <a:endParaRPr lang="en-US"/>
           </a:p>
         </p:txBody>
@@ -5936,7 +6483,7 @@
           <p:nvPr/>
         </p:nvPicPr>
         <p:blipFill>
-          <a:blip r:embed="rId2"/>
+          <a:blip r:embed="rId3"/>
           <a:stretch>
             <a:fillRect/>
           </a:stretch>
@@ -6066,6 +6613,10 @@
               <a:pPr algn="r"/>
               <a:t>13</a:t>
             </a:fld>
+            <a:r>
+              <a:rPr lang="en-US" smtClean="0"/>
+              <a:t>/23</a:t>
+            </a:r>
             <a:endParaRPr lang="en-US"/>
           </a:p>
         </p:txBody>
@@ -6086,8 +6637,8 @@
         </p:blipFill>
         <p:spPr>
           <a:xfrm>
-            <a:off x="87086" y="1284286"/>
-            <a:ext cx="8980714" cy="5497513"/>
+            <a:off x="87086" y="1284287"/>
+            <a:ext cx="8980714" cy="5319714"/>
           </a:xfrm>
           <a:prstGeom prst="rect">
             <a:avLst/>
@@ -6341,6 +6892,10 @@
               <a:pPr algn="r"/>
               <a:t>14</a:t>
             </a:fld>
+            <a:r>
+              <a:rPr lang="en-US" smtClean="0"/>
+              <a:t>/23</a:t>
+            </a:r>
             <a:endParaRPr lang="en-US"/>
           </a:p>
         </p:txBody>
@@ -6433,7 +6988,19 @@
                 </a:solidFill>
                 <a:latin typeface="+mj-lt"/>
               </a:rPr>
-              <a:t>Cấu trúc hệ thống:</a:t>
+              <a:t>Công nghệ mới: </a:t>
+            </a:r>
+          </a:p>
+          <a:p>
+            <a:pPr lvl="1"/>
+            <a:r>
+              <a:rPr lang="en-US" sz="2400" smtClean="0">
+                <a:solidFill>
+                  <a:srgbClr val="000000"/>
+                </a:solidFill>
+                <a:latin typeface="+mj-lt"/>
+              </a:rPr>
+              <a:t> Bootstrap </a:t>
             </a:r>
             <a:endParaRPr lang="en-US" sz="2400">
               <a:solidFill>
@@ -6442,18 +7009,6 @@
               <a:latin typeface="+mj-lt"/>
             </a:endParaRPr>
           </a:p>
-          <a:p>
-            <a:pPr lvl="1"/>
-            <a:r>
-              <a:rPr lang="en-US" sz="2000" smtClean="0">
-                <a:solidFill>
-                  <a:srgbClr val="000000"/>
-                </a:solidFill>
-                <a:latin typeface="+mj-lt"/>
-              </a:rPr>
-              <a:t>Chương trình được xây dựng theo mô hình MVC(Model,View,Controller)</a:t>
-            </a:r>
-          </a:p>
         </p:txBody>
       </p:sp>
       <p:sp>
@@ -6477,26 +7032,38 @@
               <a:pPr algn="r"/>
               <a:t>15</a:t>
             </a:fld>
+            <a:r>
+              <a:rPr lang="en-US" smtClean="0"/>
+              <a:t>/23</a:t>
+            </a:r>
             <a:endParaRPr lang="en-US"/>
           </a:p>
         </p:txBody>
       </p:sp>
       <p:pic>
         <p:nvPicPr>
-          <p:cNvPr id="5" name="Picture 4" descr="12 MVC.png"/>
-          <p:cNvPicPr/>
+          <p:cNvPr id="3" name="Picture 2"/>
+          <p:cNvPicPr>
+            <a:picLocks noChangeAspect="1"/>
+          </p:cNvPicPr>
           <p:nvPr/>
         </p:nvPicPr>
         <p:blipFill>
-          <a:blip r:embed="rId2"/>
+          <a:blip r:embed="rId3">
+            <a:extLst>
+              <a:ext uri="{28A0092B-C50C-407E-A947-70E740481C1C}">
+                <a14:useLocalDpi xmlns:a14="http://schemas.microsoft.com/office/drawing/2010/main" val="0"/>
+              </a:ext>
+            </a:extLst>
+          </a:blip>
           <a:stretch>
             <a:fillRect/>
           </a:stretch>
         </p:blipFill>
         <p:spPr>
           <a:xfrm>
-            <a:off x="1676400" y="2362199"/>
-            <a:ext cx="5835650" cy="4068763"/>
+            <a:off x="1143000" y="2286000"/>
+            <a:ext cx="7010400" cy="4078923"/>
           </a:xfrm>
           <a:prstGeom prst="rect">
             <a:avLst/>
@@ -6581,6 +7148,173 @@
         </p:nvSpPr>
         <p:spPr>
           <a:xfrm>
+            <a:off x="152400" y="1338263"/>
+            <a:ext cx="8839200" cy="5092700"/>
+          </a:xfrm>
+        </p:spPr>
+        <p:txBody>
+          <a:bodyPr/>
+          <a:lstStyle/>
+          <a:p>
+            <a:r>
+              <a:rPr lang="en-US" smtClean="0">
+                <a:solidFill>
+                  <a:srgbClr val="000000"/>
+                </a:solidFill>
+                <a:latin typeface="+mj-lt"/>
+              </a:rPr>
+              <a:t>Cấu trúc hệ thống:</a:t>
+            </a:r>
+            <a:endParaRPr lang="en-US" sz="2400">
+              <a:solidFill>
+                <a:srgbClr val="000000"/>
+              </a:solidFill>
+              <a:latin typeface="+mj-lt"/>
+            </a:endParaRPr>
+          </a:p>
+          <a:p>
+            <a:pPr lvl="1"/>
+            <a:r>
+              <a:rPr lang="en-US" sz="2000" smtClean="0">
+                <a:solidFill>
+                  <a:srgbClr val="000000"/>
+                </a:solidFill>
+                <a:latin typeface="+mj-lt"/>
+              </a:rPr>
+              <a:t>Chương trình được xây dựng theo mô hình MVC(Model,View,Controller)</a:t>
+            </a:r>
+          </a:p>
+        </p:txBody>
+      </p:sp>
+      <p:sp>
+        <p:nvSpPr>
+          <p:cNvPr id="22" name="Slide Number Placeholder 21"/>
+          <p:cNvSpPr>
+            <a:spLocks noGrp="1"/>
+          </p:cNvSpPr>
+          <p:nvPr>
+            <p:ph type="sldNum" sz="quarter" idx="12"/>
+          </p:nvPr>
+        </p:nvSpPr>
+        <p:spPr/>
+        <p:txBody>
+          <a:bodyPr/>
+          <a:lstStyle/>
+          <a:p>
+            <a:pPr algn="r"/>
+            <a:fld id="{535D6FA7-04C9-4B9E-8C95-879248223DB6}" type="slidenum">
+              <a:rPr lang="en-US" smtClean="0"/>
+              <a:pPr algn="r"/>
+              <a:t>16</a:t>
+            </a:fld>
+            <a:r>
+              <a:rPr lang="en-US" smtClean="0"/>
+              <a:t>/23</a:t>
+            </a:r>
+            <a:endParaRPr lang="en-US"/>
+          </a:p>
+        </p:txBody>
+      </p:sp>
+      <p:pic>
+        <p:nvPicPr>
+          <p:cNvPr id="5" name="Picture 4" descr="12 MVC.png"/>
+          <p:cNvPicPr/>
+          <p:nvPr/>
+        </p:nvPicPr>
+        <p:blipFill>
+          <a:blip r:embed="rId3"/>
+          <a:stretch>
+            <a:fillRect/>
+          </a:stretch>
+        </p:blipFill>
+        <p:spPr>
+          <a:xfrm>
+            <a:off x="1676400" y="2362199"/>
+            <a:ext cx="5835650" cy="4068763"/>
+          </a:xfrm>
+          <a:prstGeom prst="rect">
+            <a:avLst/>
+          </a:prstGeom>
+        </p:spPr>
+      </p:pic>
+    </p:spTree>
+    <p:extLst>
+      <p:ext uri="{BB962C8B-B14F-4D97-AF65-F5344CB8AC3E}">
+        <p14:creationId xmlns:p14="http://schemas.microsoft.com/office/powerpoint/2010/main" val="2357495027"/>
+      </p:ext>
+    </p:extLst>
+  </p:cSld>
+  <p:clrMapOvr>
+    <a:masterClrMapping/>
+  </p:clrMapOvr>
+  <p:timing>
+    <p:tnLst>
+      <p:par>
+        <p:cTn id="1" dur="indefinite" restart="never" nodeType="tmRoot"/>
+      </p:par>
+    </p:tnLst>
+  </p:timing>
+</p:sld>
+</file>
+
+<file path=ppt/slides/slide17.xml><?xml version="1.0" encoding="utf-8"?>
+<p:sld xmlns:a="http://schemas.openxmlformats.org/drawingml/2006/main" xmlns:r="http://schemas.openxmlformats.org/officeDocument/2006/relationships" xmlns:p="http://schemas.openxmlformats.org/presentationml/2006/main">
+  <p:cSld>
+    <p:spTree>
+      <p:nvGrpSpPr>
+        <p:cNvPr id="1" name=""/>
+        <p:cNvGrpSpPr/>
+        <p:nvPr/>
+      </p:nvGrpSpPr>
+      <p:grpSpPr>
+        <a:xfrm>
+          <a:off x="0" y="0"/>
+          <a:ext cx="0" cy="0"/>
+          <a:chOff x="0" y="0"/>
+          <a:chExt cx="0" cy="0"/>
+        </a:xfrm>
+      </p:grpSpPr>
+      <p:sp>
+        <p:nvSpPr>
+          <p:cNvPr id="70658" name="Rectangle 2"/>
+          <p:cNvSpPr>
+            <a:spLocks noGrp="1" noChangeArrowheads="1"/>
+          </p:cNvSpPr>
+          <p:nvPr>
+            <p:ph type="title"/>
+          </p:nvPr>
+        </p:nvSpPr>
+        <p:spPr>
+          <a:xfrm>
+            <a:off x="0" y="547688"/>
+            <a:ext cx="8229600" cy="563562"/>
+          </a:xfrm>
+        </p:spPr>
+        <p:txBody>
+          <a:bodyPr/>
+          <a:lstStyle/>
+          <a:p>
+            <a:pPr algn="l"/>
+            <a:r>
+              <a:rPr lang="en-US" smtClean="0"/>
+              <a:t>4. Xây dựng chương trình</a:t>
+            </a:r>
+            <a:endParaRPr lang="en-US"/>
+          </a:p>
+        </p:txBody>
+      </p:sp>
+      <p:sp>
+        <p:nvSpPr>
+          <p:cNvPr id="2" name="Content Placeholder 1"/>
+          <p:cNvSpPr>
+            <a:spLocks noGrp="1"/>
+          </p:cNvSpPr>
+          <p:nvPr>
+            <p:ph idx="1"/>
+          </p:nvPr>
+        </p:nvSpPr>
+        <p:spPr>
+          <a:xfrm>
             <a:off x="152400" y="1338262"/>
             <a:ext cx="8839200" cy="5265737"/>
           </a:xfrm>
@@ -6673,8 +7407,12 @@
             <a:fld id="{535D6FA7-04C9-4B9E-8C95-879248223DB6}" type="slidenum">
               <a:rPr lang="en-US" smtClean="0"/>
               <a:pPr algn="r"/>
-              <a:t>16</a:t>
+              <a:t>17</a:t>
             </a:fld>
+            <a:r>
+              <a:rPr lang="en-US" smtClean="0"/>
+              <a:t>/23</a:t>
+            </a:r>
             <a:endParaRPr lang="en-US"/>
           </a:p>
         </p:txBody>
@@ -6729,7 +7467,7 @@
 </p:sld>
 </file>
 
-<file path=ppt/slides/slide17.xml><?xml version="1.0" encoding="utf-8"?>
+<file path=ppt/slides/slide18.xml><?xml version="1.0" encoding="utf-8"?>
 <p:sld xmlns:a="http://schemas.openxmlformats.org/drawingml/2006/main" xmlns:r="http://schemas.openxmlformats.org/officeDocument/2006/relationships" xmlns:p="http://schemas.openxmlformats.org/presentationml/2006/main">
   <p:cSld>
     <p:spTree>
@@ -6820,16 +7558,7 @@
                 </a:solidFill>
                 <a:latin typeface="+mj-lt"/>
               </a:rPr>
-              <a:t>Giao diện </a:t>
-            </a:r>
-            <a:r>
-              <a:rPr lang="en-US" sz="2000" smtClean="0">
-                <a:solidFill>
-                  <a:srgbClr val="000000"/>
-                </a:solidFill>
-                <a:latin typeface="+mj-lt"/>
-              </a:rPr>
-              <a:t>diễn đàn trao đổi</a:t>
+              <a:t>Giao diện diễn đàn trao đổi</a:t>
             </a:r>
             <a:endParaRPr lang="en-US" sz="2000">
               <a:solidFill>
@@ -6870,8 +7599,12 @@
             <a:fld id="{535D6FA7-04C9-4B9E-8C95-879248223DB6}" type="slidenum">
               <a:rPr lang="en-US" smtClean="0"/>
               <a:pPr algn="r"/>
-              <a:t>17</a:t>
+              <a:t>18</a:t>
             </a:fld>
+            <a:r>
+              <a:rPr lang="en-US" smtClean="0"/>
+              <a:t>/23</a:t>
+            </a:r>
             <a:endParaRPr lang="en-US"/>
           </a:p>
         </p:txBody>
@@ -6926,173 +7659,6 @@
 </p:sld>
 </file>
 
-<file path=ppt/slides/slide18.xml><?xml version="1.0" encoding="utf-8"?>
-<p:sld xmlns:a="http://schemas.openxmlformats.org/drawingml/2006/main" xmlns:r="http://schemas.openxmlformats.org/officeDocument/2006/relationships" xmlns:p="http://schemas.openxmlformats.org/presentationml/2006/main">
-  <p:cSld>
-    <p:spTree>
-      <p:nvGrpSpPr>
-        <p:cNvPr id="1" name=""/>
-        <p:cNvGrpSpPr/>
-        <p:nvPr/>
-      </p:nvGrpSpPr>
-      <p:grpSpPr>
-        <a:xfrm>
-          <a:off x="0" y="0"/>
-          <a:ext cx="0" cy="0"/>
-          <a:chOff x="0" y="0"/>
-          <a:chExt cx="0" cy="0"/>
-        </a:xfrm>
-      </p:grpSpPr>
-      <p:sp>
-        <p:nvSpPr>
-          <p:cNvPr id="70658" name="Rectangle 2"/>
-          <p:cNvSpPr>
-            <a:spLocks noGrp="1" noChangeArrowheads="1"/>
-          </p:cNvSpPr>
-          <p:nvPr>
-            <p:ph type="title"/>
-          </p:nvPr>
-        </p:nvSpPr>
-        <p:spPr>
-          <a:xfrm>
-            <a:off x="0" y="547688"/>
-            <a:ext cx="8229600" cy="563562"/>
-          </a:xfrm>
-        </p:spPr>
-        <p:txBody>
-          <a:bodyPr/>
-          <a:lstStyle/>
-          <a:p>
-            <a:pPr algn="l"/>
-            <a:r>
-              <a:rPr lang="en-US" smtClean="0"/>
-              <a:t>4. Xây dựng chương trình</a:t>
-            </a:r>
-            <a:endParaRPr lang="en-US"/>
-          </a:p>
-        </p:txBody>
-      </p:sp>
-      <p:sp>
-        <p:nvSpPr>
-          <p:cNvPr id="2" name="Content Placeholder 1"/>
-          <p:cNvSpPr>
-            <a:spLocks noGrp="1"/>
-          </p:cNvSpPr>
-          <p:nvPr>
-            <p:ph idx="1"/>
-          </p:nvPr>
-        </p:nvSpPr>
-        <p:spPr>
-          <a:xfrm>
-            <a:off x="152400" y="1338262"/>
-            <a:ext cx="8839200" cy="5265737"/>
-          </a:xfrm>
-        </p:spPr>
-        <p:txBody>
-          <a:bodyPr/>
-          <a:lstStyle/>
-          <a:p>
-            <a:r>
-              <a:rPr lang="en-US" smtClean="0">
-                <a:solidFill>
-                  <a:srgbClr val="000000"/>
-                </a:solidFill>
-                <a:latin typeface="+mj-lt"/>
-              </a:rPr>
-              <a:t>Một số giao diện chính:</a:t>
-            </a:r>
-            <a:endParaRPr lang="en-US" sz="2400">
-              <a:solidFill>
-                <a:srgbClr val="000000"/>
-              </a:solidFill>
-              <a:latin typeface="+mj-lt"/>
-            </a:endParaRPr>
-          </a:p>
-          <a:p>
-            <a:pPr lvl="1"/>
-            <a:r>
-              <a:rPr lang="en-US" sz="2000" smtClean="0">
-                <a:solidFill>
-                  <a:srgbClr val="000000"/>
-                </a:solidFill>
-                <a:latin typeface="+mj-lt"/>
-              </a:rPr>
-              <a:t>Giao diện </a:t>
-            </a:r>
-            <a:r>
-              <a:rPr lang="en-US" sz="2000" smtClean="0">
-                <a:solidFill>
-                  <a:srgbClr val="000000"/>
-                </a:solidFill>
-                <a:latin typeface="+mj-lt"/>
-              </a:rPr>
-              <a:t>trao đổi riêng</a:t>
-            </a:r>
-            <a:endParaRPr lang="en-US" sz="2000">
-              <a:solidFill>
-                <a:srgbClr val="000000"/>
-              </a:solidFill>
-              <a:latin typeface="+mj-lt"/>
-            </a:endParaRPr>
-          </a:p>
-          <a:p>
-            <a:pPr marL="457200" lvl="1" indent="0">
-              <a:buNone/>
-            </a:pPr>
-            <a:endParaRPr lang="en-US" sz="2000" smtClean="0">
-              <a:solidFill>
-                <a:srgbClr val="000000"/>
-              </a:solidFill>
-              <a:latin typeface="+mj-lt"/>
-            </a:endParaRPr>
-          </a:p>
-        </p:txBody>
-      </p:sp>
-      <p:sp>
-        <p:nvSpPr>
-          <p:cNvPr id="22" name="Slide Number Placeholder 21"/>
-          <p:cNvSpPr>
-            <a:spLocks noGrp="1"/>
-          </p:cNvSpPr>
-          <p:nvPr>
-            <p:ph type="sldNum" sz="quarter" idx="12"/>
-          </p:nvPr>
-        </p:nvSpPr>
-        <p:spPr/>
-        <p:txBody>
-          <a:bodyPr/>
-          <a:lstStyle/>
-          <a:p>
-            <a:pPr algn="r"/>
-            <a:fld id="{535D6FA7-04C9-4B9E-8C95-879248223DB6}" type="slidenum">
-              <a:rPr lang="en-US" smtClean="0"/>
-              <a:pPr algn="r"/>
-              <a:t>18</a:t>
-            </a:fld>
-            <a:endParaRPr lang="en-US"/>
-          </a:p>
-        </p:txBody>
-      </p:sp>
-    </p:spTree>
-    <p:extLst>
-      <p:ext uri="{BB962C8B-B14F-4D97-AF65-F5344CB8AC3E}">
-        <p14:creationId xmlns:p14="http://schemas.microsoft.com/office/powerpoint/2010/main" val="2887324868"/>
-      </p:ext>
-    </p:extLst>
-  </p:cSld>
-  <p:clrMapOvr>
-    <a:masterClrMapping/>
-  </p:clrMapOvr>
-  <p:timing>
-    <p:tnLst>
-      <p:par>
-        <p:cTn id="1" dur="indefinite" restart="never" nodeType="tmRoot"/>
-      </p:par>
-    </p:tnLst>
-  </p:timing>
-</p:sld>
-</file>
-
 <file path=ppt/slides/slide19.xml><?xml version="1.0" encoding="utf-8"?>
 <p:sld xmlns:a="http://schemas.openxmlformats.org/drawingml/2006/main" xmlns:r="http://schemas.openxmlformats.org/officeDocument/2006/relationships" xmlns:p="http://schemas.openxmlformats.org/presentationml/2006/main">
   <p:cSld>
@@ -7184,16 +7750,7 @@
                 </a:solidFill>
                 <a:latin typeface="+mj-lt"/>
               </a:rPr>
-              <a:t>Giao diện </a:t>
-            </a:r>
-            <a:r>
-              <a:rPr lang="en-US" sz="2000" smtClean="0">
-                <a:solidFill>
-                  <a:srgbClr val="000000"/>
-                </a:solidFill>
-                <a:latin typeface="+mj-lt"/>
-              </a:rPr>
-              <a:t>quản lý học bạ</a:t>
+              <a:t>Giao diện trao đổi riêng</a:t>
             </a:r>
             <a:endParaRPr lang="en-US" sz="2000">
               <a:solidFill>
@@ -7236,14 +7793,48 @@
               <a:pPr algn="r"/>
               <a:t>19</a:t>
             </a:fld>
+            <a:r>
+              <a:rPr lang="en-US" smtClean="0"/>
+              <a:t>/23</a:t>
+            </a:r>
             <a:endParaRPr lang="en-US"/>
           </a:p>
         </p:txBody>
       </p:sp>
+      <p:pic>
+        <p:nvPicPr>
+          <p:cNvPr id="3" name="Picture 2"/>
+          <p:cNvPicPr>
+            <a:picLocks noChangeAspect="1"/>
+          </p:cNvPicPr>
+          <p:nvPr/>
+        </p:nvPicPr>
+        <p:blipFill>
+          <a:blip r:embed="rId2">
+            <a:extLst>
+              <a:ext uri="{28A0092B-C50C-407E-A947-70E740481C1C}">
+                <a14:useLocalDpi xmlns:a14="http://schemas.microsoft.com/office/drawing/2010/main" val="0"/>
+              </a:ext>
+            </a:extLst>
+          </a:blip>
+          <a:stretch>
+            <a:fillRect/>
+          </a:stretch>
+        </p:blipFill>
+        <p:spPr>
+          <a:xfrm>
+            <a:off x="685800" y="2362200"/>
+            <a:ext cx="7772400" cy="3998119"/>
+          </a:xfrm>
+          <a:prstGeom prst="rect">
+            <a:avLst/>
+          </a:prstGeom>
+        </p:spPr>
+      </p:pic>
     </p:spTree>
     <p:extLst>
       <p:ext uri="{BB962C8B-B14F-4D97-AF65-F5344CB8AC3E}">
-        <p14:creationId xmlns:p14="http://schemas.microsoft.com/office/powerpoint/2010/main" val="1513336284"/>
+        <p14:creationId xmlns:p14="http://schemas.microsoft.com/office/powerpoint/2010/main" val="2887324868"/>
       </p:ext>
     </p:extLst>
   </p:cSld>
@@ -7314,7 +7905,7 @@
         </p:nvGrpSpPr>
         <p:grpSpPr bwMode="auto">
           <a:xfrm>
-            <a:off x="2260600" y="1355725"/>
+            <a:off x="2260600" y="1676400"/>
             <a:ext cx="4724400" cy="685800"/>
             <a:chOff x="1296" y="1824"/>
             <a:chExt cx="2976" cy="432"/>
@@ -7529,7 +8120,7 @@
         </p:nvGrpSpPr>
         <p:grpSpPr bwMode="auto">
           <a:xfrm>
-            <a:off x="2260600" y="2193925"/>
+            <a:off x="2260600" y="2514600"/>
             <a:ext cx="4724400" cy="685800"/>
             <a:chOff x="1296" y="1824"/>
             <a:chExt cx="2976" cy="432"/>
@@ -7807,7 +8398,7 @@
         </p:nvGrpSpPr>
         <p:grpSpPr bwMode="auto">
           <a:xfrm>
-            <a:off x="2260600" y="3032125"/>
+            <a:off x="2260600" y="3352800"/>
             <a:ext cx="4724400" cy="685800"/>
             <a:chOff x="1296" y="1824"/>
             <a:chExt cx="2976" cy="432"/>
@@ -8085,7 +8676,7 @@
         </p:nvGrpSpPr>
         <p:grpSpPr bwMode="auto">
           <a:xfrm>
-            <a:off x="2260600" y="3946525"/>
+            <a:off x="2260600" y="4267200"/>
             <a:ext cx="4724400" cy="685800"/>
             <a:chOff x="1296" y="1824"/>
             <a:chExt cx="2976" cy="432"/>
@@ -8374,6 +8965,10 @@
               <a:pPr algn="r"/>
               <a:t>2</a:t>
             </a:fld>
+            <a:r>
+              <a:rPr lang="en-US" smtClean="0"/>
+              <a:t>/23</a:t>
+            </a:r>
             <a:endParaRPr lang="en-US"/>
           </a:p>
         </p:txBody>
@@ -8388,7 +8983,7 @@
         </p:nvGrpSpPr>
         <p:grpSpPr bwMode="auto">
           <a:xfrm>
-            <a:off x="2260600" y="4860925"/>
+            <a:off x="2260600" y="5181600"/>
             <a:ext cx="4724400" cy="685800"/>
             <a:chOff x="1296" y="1824"/>
             <a:chExt cx="2976" cy="432"/>
@@ -8537,16 +9132,7 @@
                   </a:solidFill>
                   <a:latin typeface="+mj-lt"/>
                 </a:rPr>
-                <a:t>    </a:t>
-              </a:r>
-              <a:r>
-                <a:rPr lang="en-US" sz="2000" b="1" smtClean="0">
-                  <a:solidFill>
-                    <a:srgbClr val="000000"/>
-                  </a:solidFill>
-                  <a:latin typeface="+mj-lt"/>
-                </a:rPr>
-                <a:t>Kết luận, hướng phát triển</a:t>
+                <a:t>    Kết luận, hướng phát triển</a:t>
               </a:r>
               <a:endParaRPr lang="en-US" sz="2000" b="1">
                 <a:solidFill>
@@ -8602,246 +9188,6 @@
           </p:txBody>
         </p:sp>
       </p:grpSp>
-      <p:grpSp>
-        <p:nvGrpSpPr>
-          <p:cNvPr id="39" name="Group 66"/>
-          <p:cNvGrpSpPr>
-            <a:grpSpLocks/>
-          </p:cNvGrpSpPr>
-          <p:nvPr/>
-        </p:nvGrpSpPr>
-        <p:grpSpPr bwMode="auto">
-          <a:xfrm>
-            <a:off x="2260600" y="5673725"/>
-            <a:ext cx="4724400" cy="685800"/>
-            <a:chOff x="1296" y="1824"/>
-            <a:chExt cx="2976" cy="432"/>
-          </a:xfrm>
-        </p:grpSpPr>
-        <p:sp>
-          <p:nvSpPr>
-            <p:cNvPr id="40" name="AutoShape 67"/>
-            <p:cNvSpPr>
-              <a:spLocks noChangeArrowheads="1"/>
-            </p:cNvSpPr>
-            <p:nvPr/>
-          </p:nvSpPr>
-          <p:spPr bwMode="gray">
-            <a:xfrm>
-              <a:off x="1536" y="1899"/>
-              <a:ext cx="2736" cy="288"/>
-            </a:xfrm>
-            <a:prstGeom prst="roundRect">
-              <a:avLst>
-                <a:gd name="adj" fmla="val 16667"/>
-              </a:avLst>
-            </a:prstGeom>
-            <a:gradFill rotWithShape="1">
-              <a:gsLst>
-                <a:gs pos="0">
-                  <a:schemeClr val="accent1">
-                    <a:gamma/>
-                    <a:tint val="21176"/>
-                    <a:invGamma/>
-                  </a:schemeClr>
-                </a:gs>
-                <a:gs pos="100000">
-                  <a:schemeClr val="accent1"/>
-                </a:gs>
-              </a:gsLst>
-              <a:lin ang="0" scaled="1"/>
-            </a:gradFill>
-            <a:ln w="12700" algn="ctr">
-              <a:solidFill>
-                <a:schemeClr val="bg1"/>
-              </a:solidFill>
-              <a:round/>
-              <a:headEnd/>
-              <a:tailEnd/>
-            </a:ln>
-            <a:effectLst>
-              <a:outerShdw dist="99190" dir="2388334" algn="ctr" rotWithShape="0">
-                <a:srgbClr val="333333">
-                  <a:alpha val="50000"/>
-                </a:srgbClr>
-              </a:outerShdw>
-            </a:effectLst>
-          </p:spPr>
-          <p:txBody>
-            <a:bodyPr wrap="none" anchor="ctr"/>
-            <a:lstStyle/>
-            <a:p>
-              <a:endParaRPr lang="en-US" sz="2000">
-                <a:latin typeface="+mj-lt"/>
-              </a:endParaRPr>
-            </a:p>
-          </p:txBody>
-        </p:sp>
-        <p:sp>
-          <p:nvSpPr>
-            <p:cNvPr id="41" name="AutoShape 68"/>
-            <p:cNvSpPr>
-              <a:spLocks noChangeArrowheads="1"/>
-            </p:cNvSpPr>
-            <p:nvPr/>
-          </p:nvSpPr>
-          <p:spPr bwMode="gray">
-            <a:xfrm>
-              <a:off x="1296" y="1824"/>
-              <a:ext cx="432" cy="432"/>
-            </a:xfrm>
-            <a:prstGeom prst="diamond">
-              <a:avLst/>
-            </a:prstGeom>
-            <a:solidFill>
-              <a:schemeClr val="accent1"/>
-            </a:solidFill>
-            <a:ln w="25400" algn="ctr">
-              <a:solidFill>
-                <a:schemeClr val="bg1"/>
-              </a:solidFill>
-              <a:miter lim="800000"/>
-              <a:headEnd/>
-              <a:tailEnd/>
-            </a:ln>
-            <a:effectLst>
-              <a:outerShdw dist="63500" dir="2212194" algn="ctr" rotWithShape="0">
-                <a:srgbClr val="333333">
-                  <a:alpha val="50000"/>
-                </a:srgbClr>
-              </a:outerShdw>
-            </a:effectLst>
-          </p:spPr>
-          <p:txBody>
-            <a:bodyPr wrap="none" anchor="ctr"/>
-            <a:lstStyle/>
-            <a:p>
-              <a:endParaRPr lang="en-US" sz="2000">
-                <a:latin typeface="+mj-lt"/>
-              </a:endParaRPr>
-            </a:p>
-          </p:txBody>
-        </p:sp>
-        <p:sp>
-          <p:nvSpPr>
-            <p:cNvPr id="42" name="Text Box 69"/>
-            <p:cNvSpPr txBox="1">
-              <a:spLocks noChangeArrowheads="1"/>
-            </p:cNvSpPr>
-            <p:nvPr/>
-          </p:nvSpPr>
-          <p:spPr bwMode="gray">
-            <a:xfrm>
-              <a:off x="1680" y="1934"/>
-              <a:ext cx="2160" cy="252"/>
-            </a:xfrm>
-            <a:prstGeom prst="rect">
-              <a:avLst/>
-            </a:prstGeom>
-            <a:noFill/>
-            <a:ln w="9525" algn="ctr">
-              <a:noFill/>
-              <a:miter lim="800000"/>
-              <a:headEnd/>
-              <a:tailEnd/>
-            </a:ln>
-            <a:effectLst/>
-          </p:spPr>
-          <p:txBody>
-            <a:bodyPr>
-              <a:spAutoFit/>
-            </a:bodyPr>
-            <a:lstStyle/>
-            <a:p>
-              <a:pPr eaLnBrk="0" hangingPunct="0"/>
-              <a:r>
-                <a:rPr lang="en-US" sz="2000" b="1">
-                  <a:solidFill>
-                    <a:srgbClr val="000000"/>
-                  </a:solidFill>
-                </a:rPr>
-                <a:t> </a:t>
-              </a:r>
-              <a:r>
-                <a:rPr lang="en-US" sz="2000" b="1" smtClean="0">
-                  <a:solidFill>
-                    <a:srgbClr val="000000"/>
-                  </a:solidFill>
-                </a:rPr>
-                <a:t>   </a:t>
-              </a:r>
-              <a:r>
-                <a:rPr lang="en-US" sz="2000" b="1" smtClean="0">
-                  <a:solidFill>
-                    <a:srgbClr val="000000"/>
-                  </a:solidFill>
-                  <a:latin typeface="+mj-lt"/>
-                </a:rPr>
-                <a:t>Demo </a:t>
-              </a:r>
-              <a:r>
-                <a:rPr lang="en-US" sz="2000" b="1">
-                  <a:solidFill>
-                    <a:srgbClr val="000000"/>
-                  </a:solidFill>
-                  <a:latin typeface="+mj-lt"/>
-                </a:rPr>
-                <a:t>chương trình</a:t>
-              </a:r>
-              <a:endParaRPr lang="en-US" sz="2000" b="1">
-                <a:solidFill>
-                  <a:srgbClr val="000000"/>
-                </a:solidFill>
-                <a:latin typeface="+mj-lt"/>
-              </a:endParaRPr>
-            </a:p>
-          </p:txBody>
-        </p:sp>
-        <p:sp>
-          <p:nvSpPr>
-            <p:cNvPr id="43" name="Text Box 70"/>
-            <p:cNvSpPr txBox="1">
-              <a:spLocks noChangeArrowheads="1"/>
-            </p:cNvSpPr>
-            <p:nvPr/>
-          </p:nvSpPr>
-          <p:spPr bwMode="gray">
-            <a:xfrm>
-              <a:off x="1393" y="1886"/>
-              <a:ext cx="197" cy="252"/>
-            </a:xfrm>
-            <a:prstGeom prst="rect">
-              <a:avLst/>
-            </a:prstGeom>
-            <a:noFill/>
-            <a:ln w="9525" algn="ctr">
-              <a:noFill/>
-              <a:miter lim="800000"/>
-              <a:headEnd/>
-              <a:tailEnd/>
-            </a:ln>
-            <a:effectLst/>
-          </p:spPr>
-          <p:txBody>
-            <a:bodyPr wrap="none">
-              <a:spAutoFit/>
-            </a:bodyPr>
-            <a:lstStyle/>
-            <a:p>
-              <a:pPr eaLnBrk="0" hangingPunct="0"/>
-              <a:r>
-                <a:rPr lang="en-US" sz="2000">
-                  <a:solidFill>
-                    <a:schemeClr val="bg1"/>
-                  </a:solidFill>
-                  <a:latin typeface="+mj-lt"/>
-                </a:rPr>
-                <a:t>2</a:t>
-              </a:r>
-            </a:p>
-          </p:txBody>
-        </p:sp>
-      </p:grpSp>
     </p:spTree>
   </p:cSld>
   <p:clrMapOvr>
@@ -8930,7 +9276,7 @@
                 </a:solidFill>
                 <a:latin typeface="+mj-lt"/>
               </a:rPr>
-              <a:t>Giao diện trên các thiết bị di động:</a:t>
+              <a:t>Một số giao diện chính:</a:t>
             </a:r>
             <a:endParaRPr lang="en-US" sz="2400">
               <a:solidFill>
@@ -8948,8 +9294,191 @@
                 </a:solidFill>
                 <a:latin typeface="+mj-lt"/>
               </a:rPr>
-              <a:t>Giao diện tạo mới chủ đề, cập nhật thông </a:t>
-            </a:r>
+              <a:t>Giao diện quản lý học bạ</a:t>
+            </a:r>
+            <a:endParaRPr lang="en-US" sz="2000">
+              <a:solidFill>
+                <a:srgbClr val="000000"/>
+              </a:solidFill>
+              <a:latin typeface="+mj-lt"/>
+            </a:endParaRPr>
+          </a:p>
+          <a:p>
+            <a:pPr marL="457200" lvl="1" indent="0">
+              <a:buNone/>
+            </a:pPr>
+            <a:endParaRPr lang="en-US" sz="2000" smtClean="0">
+              <a:solidFill>
+                <a:srgbClr val="000000"/>
+              </a:solidFill>
+              <a:latin typeface="+mj-lt"/>
+            </a:endParaRPr>
+          </a:p>
+        </p:txBody>
+      </p:sp>
+      <p:sp>
+        <p:nvSpPr>
+          <p:cNvPr id="22" name="Slide Number Placeholder 21"/>
+          <p:cNvSpPr>
+            <a:spLocks noGrp="1"/>
+          </p:cNvSpPr>
+          <p:nvPr>
+            <p:ph type="sldNum" sz="quarter" idx="12"/>
+          </p:nvPr>
+        </p:nvSpPr>
+        <p:spPr/>
+        <p:txBody>
+          <a:bodyPr/>
+          <a:lstStyle/>
+          <a:p>
+            <a:pPr algn="r"/>
+            <a:fld id="{535D6FA7-04C9-4B9E-8C95-879248223DB6}" type="slidenum">
+              <a:rPr lang="en-US" smtClean="0"/>
+              <a:pPr algn="r"/>
+              <a:t>20</a:t>
+            </a:fld>
+            <a:r>
+              <a:rPr lang="en-US" smtClean="0"/>
+              <a:t>/23</a:t>
+            </a:r>
+            <a:endParaRPr lang="en-US"/>
+          </a:p>
+        </p:txBody>
+      </p:sp>
+      <p:pic>
+        <p:nvPicPr>
+          <p:cNvPr id="3" name="Picture 2"/>
+          <p:cNvPicPr>
+            <a:picLocks noChangeAspect="1"/>
+          </p:cNvPicPr>
+          <p:nvPr/>
+        </p:nvPicPr>
+        <p:blipFill>
+          <a:blip r:embed="rId2">
+            <a:extLst>
+              <a:ext uri="{28A0092B-C50C-407E-A947-70E740481C1C}">
+                <a14:useLocalDpi xmlns:a14="http://schemas.microsoft.com/office/drawing/2010/main" val="0"/>
+              </a:ext>
+            </a:extLst>
+          </a:blip>
+          <a:stretch>
+            <a:fillRect/>
+          </a:stretch>
+        </p:blipFill>
+        <p:spPr>
+          <a:xfrm>
+            <a:off x="762000" y="2316320"/>
+            <a:ext cx="7620000" cy="4302919"/>
+          </a:xfrm>
+          <a:prstGeom prst="rect">
+            <a:avLst/>
+          </a:prstGeom>
+        </p:spPr>
+      </p:pic>
+    </p:spTree>
+    <p:extLst>
+      <p:ext uri="{BB962C8B-B14F-4D97-AF65-F5344CB8AC3E}">
+        <p14:creationId xmlns:p14="http://schemas.microsoft.com/office/powerpoint/2010/main" val="1513336284"/>
+      </p:ext>
+    </p:extLst>
+  </p:cSld>
+  <p:clrMapOvr>
+    <a:masterClrMapping/>
+  </p:clrMapOvr>
+  <p:timing>
+    <p:tnLst>
+      <p:par>
+        <p:cTn id="1" dur="indefinite" restart="never" nodeType="tmRoot"/>
+      </p:par>
+    </p:tnLst>
+  </p:timing>
+</p:sld>
+</file>
+
+<file path=ppt/slides/slide21.xml><?xml version="1.0" encoding="utf-8"?>
+<p:sld xmlns:a="http://schemas.openxmlformats.org/drawingml/2006/main" xmlns:r="http://schemas.openxmlformats.org/officeDocument/2006/relationships" xmlns:p="http://schemas.openxmlformats.org/presentationml/2006/main">
+  <p:cSld>
+    <p:spTree>
+      <p:nvGrpSpPr>
+        <p:cNvPr id="1" name=""/>
+        <p:cNvGrpSpPr/>
+        <p:nvPr/>
+      </p:nvGrpSpPr>
+      <p:grpSpPr>
+        <a:xfrm>
+          <a:off x="0" y="0"/>
+          <a:ext cx="0" cy="0"/>
+          <a:chOff x="0" y="0"/>
+          <a:chExt cx="0" cy="0"/>
+        </a:xfrm>
+      </p:grpSpPr>
+      <p:sp>
+        <p:nvSpPr>
+          <p:cNvPr id="70658" name="Rectangle 2"/>
+          <p:cNvSpPr>
+            <a:spLocks noGrp="1" noChangeArrowheads="1"/>
+          </p:cNvSpPr>
+          <p:nvPr>
+            <p:ph type="title"/>
+          </p:nvPr>
+        </p:nvSpPr>
+        <p:spPr>
+          <a:xfrm>
+            <a:off x="0" y="547688"/>
+            <a:ext cx="8229600" cy="563562"/>
+          </a:xfrm>
+        </p:spPr>
+        <p:txBody>
+          <a:bodyPr/>
+          <a:lstStyle/>
+          <a:p>
+            <a:pPr algn="l"/>
+            <a:r>
+              <a:rPr lang="en-US" smtClean="0"/>
+              <a:t>4. Xây dựng chương trình</a:t>
+            </a:r>
+            <a:endParaRPr lang="en-US"/>
+          </a:p>
+        </p:txBody>
+      </p:sp>
+      <p:sp>
+        <p:nvSpPr>
+          <p:cNvPr id="2" name="Content Placeholder 1"/>
+          <p:cNvSpPr>
+            <a:spLocks noGrp="1"/>
+          </p:cNvSpPr>
+          <p:nvPr>
+            <p:ph idx="1"/>
+          </p:nvPr>
+        </p:nvSpPr>
+        <p:spPr>
+          <a:xfrm>
+            <a:off x="152400" y="1338262"/>
+            <a:ext cx="8839200" cy="5265737"/>
+          </a:xfrm>
+        </p:spPr>
+        <p:txBody>
+          <a:bodyPr/>
+          <a:lstStyle/>
+          <a:p>
+            <a:r>
+              <a:rPr lang="en-US" smtClean="0">
+                <a:solidFill>
+                  <a:srgbClr val="000000"/>
+                </a:solidFill>
+                <a:latin typeface="+mj-lt"/>
+              </a:rPr>
+              <a:t>Giao diện trên các thiết bị di động:</a:t>
+            </a:r>
+            <a:endParaRPr lang="en-US" sz="2400">
+              <a:solidFill>
+                <a:srgbClr val="000000"/>
+              </a:solidFill>
+              <a:latin typeface="+mj-lt"/>
+            </a:endParaRPr>
+          </a:p>
+          <a:p>
+            <a:pPr lvl="1"/>
             <a:r>
               <a:rPr lang="en-US" sz="2000" smtClean="0">
                 <a:solidFill>
@@ -8957,14 +9486,8 @@
                 </a:solidFill>
                 <a:latin typeface="+mj-lt"/>
               </a:rPr>
-              <a:t>tin</a:t>
-            </a:r>
-            <a:endParaRPr lang="en-US" sz="2000" smtClean="0">
-              <a:solidFill>
-                <a:srgbClr val="000000"/>
-              </a:solidFill>
-              <a:latin typeface="+mj-lt"/>
-            </a:endParaRPr>
+              <a:t>Giao diện tạo mới chủ đề, cập nhật thông tin</a:t>
+            </a:r>
           </a:p>
         </p:txBody>
       </p:sp>
@@ -8987,8 +9510,12 @@
             <a:fld id="{535D6FA7-04C9-4B9E-8C95-879248223DB6}" type="slidenum">
               <a:rPr lang="en-US" smtClean="0"/>
               <a:pPr algn="r"/>
-              <a:t>20</a:t>
+              <a:t>21</a:t>
             </a:fld>
+            <a:r>
+              <a:rPr lang="en-US" smtClean="0"/>
+              <a:t>/23</a:t>
+            </a:r>
             <a:endParaRPr lang="en-US"/>
           </a:p>
         </p:txBody>
@@ -9045,7 +9572,7 @@
         </p:blipFill>
         <p:spPr>
           <a:xfrm>
-            <a:off x="381000" y="2152650"/>
+            <a:off x="457200" y="2152650"/>
             <a:ext cx="3899400" cy="4572001"/>
           </a:xfrm>
           <a:prstGeom prst="rect">
@@ -9073,7 +9600,7 @@
 </p:sld>
 </file>
 
-<file path=ppt/slides/slide21.xml><?xml version="1.0" encoding="utf-8"?>
+<file path=ppt/slides/slide22.xml><?xml version="1.0" encoding="utf-8"?>
 <p:sld xmlns:a="http://schemas.openxmlformats.org/drawingml/2006/main" xmlns:r="http://schemas.openxmlformats.org/officeDocument/2006/relationships" xmlns:p="http://schemas.openxmlformats.org/presentationml/2006/main">
   <p:cSld>
     <p:spTree>
@@ -9268,20 +9795,8 @@
                 </a:solidFill>
                 <a:latin typeface="+mj-lt"/>
               </a:rPr>
-              <a:t>Phối hợp cài đặt, vận hành thử nghiệm phần mềm cho các trường tiểu </a:t>
-            </a:r>
-            <a:r>
-              <a:rPr lang="en-US" sz="2000" smtClean="0">
-                <a:solidFill>
-                  <a:srgbClr val="000000"/>
-                </a:solidFill>
-                <a:latin typeface="+mj-lt"/>
-              </a:rPr>
-              <a:t>học</a:t>
-            </a:r>
-          </a:p>
-          <a:p>
-            <a:pPr lvl="1"/>
+              <a:t>Bổ </a:t>
+            </a:r>
             <a:r>
               <a:rPr lang="en-US" sz="2000">
                 <a:solidFill>
@@ -9289,16 +9804,7 @@
                 </a:solidFill>
                 <a:latin typeface="+mj-lt"/>
               </a:rPr>
-              <a:t>Bổ sung thêm các chức năng của trao đổi riêng, trao đổi </a:t>
-            </a:r>
-            <a:r>
-              <a:rPr lang="en-US" sz="2000">
-                <a:solidFill>
-                  <a:srgbClr val="000000"/>
-                </a:solidFill>
-                <a:latin typeface="+mj-lt"/>
-              </a:rPr>
-              <a:t>diễn </a:t>
+              <a:t>sung thêm các chức năng của trao đổi riêng, trao đổi diễn </a:t>
             </a:r>
             <a:r>
               <a:rPr lang="en-US" sz="2000" smtClean="0">
@@ -9309,6 +9815,63 @@
               </a:rPr>
               <a:t>đàn</a:t>
             </a:r>
+          </a:p>
+          <a:p>
+            <a:pPr lvl="1"/>
+            <a:r>
+              <a:rPr lang="en-US" sz="2000" smtClean="0">
+                <a:solidFill>
+                  <a:srgbClr val="000000"/>
+                </a:solidFill>
+                <a:latin typeface="+mj-lt"/>
+              </a:rPr>
+              <a:t>Tích hợp bổ sung các chức năng mới : email, mạng xã hội,…</a:t>
+            </a:r>
+          </a:p>
+          <a:p>
+            <a:pPr lvl="1"/>
+            <a:r>
+              <a:rPr lang="en-US" sz="2000" smtClean="0">
+                <a:solidFill>
+                  <a:srgbClr val="000000"/>
+                </a:solidFill>
+                <a:latin typeface="+mj-lt"/>
+              </a:rPr>
+              <a:t>Hoàn thiện chương trình để hiển </a:t>
+            </a:r>
+            <a:r>
+              <a:rPr lang="en-US" sz="2000" smtClean="0">
+                <a:solidFill>
+                  <a:srgbClr val="000000"/>
+                </a:solidFill>
+                <a:latin typeface="+mj-lt"/>
+              </a:rPr>
+              <a:t>thị đẹp, </a:t>
+            </a:r>
+            <a:r>
+              <a:rPr lang="en-US" sz="2000" smtClean="0">
+                <a:solidFill>
+                  <a:srgbClr val="000000"/>
+                </a:solidFill>
+                <a:latin typeface="+mj-lt"/>
+              </a:rPr>
+              <a:t>chạy tốt trên các thiết bị di động</a:t>
+            </a:r>
+          </a:p>
+          <a:p>
+            <a:pPr lvl="1"/>
+            <a:r>
+              <a:rPr lang="en-US" sz="2000">
+                <a:solidFill>
+                  <a:srgbClr val="000000"/>
+                </a:solidFill>
+                <a:latin typeface="+mj-lt"/>
+              </a:rPr>
+              <a:t>Phối hợp cài đặt, vận hành thử nghiệm phần mềm cho các trường tiểu học</a:t>
+            </a:r>
+          </a:p>
+          <a:p>
+            <a:pPr lvl="1"/>
             <a:endParaRPr lang="en-US" sz="2000" smtClean="0">
               <a:solidFill>
                 <a:srgbClr val="000000"/>
@@ -9316,51 +9879,6 @@
               <a:latin typeface="+mj-lt"/>
             </a:endParaRPr>
           </a:p>
-          <a:p>
-            <a:pPr lvl="1"/>
-            <a:r>
-              <a:rPr lang="en-US" sz="2000" smtClean="0">
-                <a:solidFill>
-                  <a:srgbClr val="000000"/>
-                </a:solidFill>
-                <a:latin typeface="+mj-lt"/>
-              </a:rPr>
-              <a:t>Tích hợp bổ sung các chức năng mới : sms , email, mạng xã </a:t>
-            </a:r>
-            <a:r>
-              <a:rPr lang="en-US" sz="2000" smtClean="0">
-                <a:solidFill>
-                  <a:srgbClr val="000000"/>
-                </a:solidFill>
-                <a:latin typeface="+mj-lt"/>
-              </a:rPr>
-              <a:t>hội,…</a:t>
-            </a:r>
-            <a:endParaRPr lang="en-US" sz="2000" smtClean="0">
-              <a:solidFill>
-                <a:srgbClr val="000000"/>
-              </a:solidFill>
-              <a:latin typeface="+mj-lt"/>
-            </a:endParaRPr>
-          </a:p>
-          <a:p>
-            <a:pPr lvl="1"/>
-            <a:r>
-              <a:rPr lang="en-US" sz="2000" smtClean="0">
-                <a:solidFill>
-                  <a:srgbClr val="000000"/>
-                </a:solidFill>
-                <a:latin typeface="+mj-lt"/>
-              </a:rPr>
-              <a:t>Hoàn thiện chương trình để hiển thị, chạy tốt trên các thiết bị di động</a:t>
-            </a:r>
-            <a:endParaRPr lang="en-US" sz="2000" smtClean="0">
-              <a:solidFill>
-                <a:srgbClr val="000000"/>
-              </a:solidFill>
-              <a:latin typeface="+mj-lt"/>
-            </a:endParaRPr>
-          </a:p>
         </p:txBody>
       </p:sp>
       <p:sp>
@@ -9382,8 +9900,12 @@
             <a:fld id="{535D6FA7-04C9-4B9E-8C95-879248223DB6}" type="slidenum">
               <a:rPr lang="en-US" smtClean="0"/>
               <a:pPr algn="r"/>
-              <a:t>21</a:t>
+              <a:t>22</a:t>
             </a:fld>
+            <a:r>
+              <a:rPr lang="en-US" smtClean="0"/>
+              <a:t>/23</a:t>
+            </a:r>
             <a:endParaRPr lang="en-US"/>
           </a:p>
         </p:txBody>
@@ -9408,7 +9930,7 @@
 </p:sld>
 </file>
 
-<file path=ppt/slides/slide22.xml><?xml version="1.0" encoding="utf-8"?>
+<file path=ppt/slides/slide23.xml><?xml version="1.0" encoding="utf-8"?>
 <p:sld xmlns:a="http://schemas.openxmlformats.org/drawingml/2006/main" xmlns:r="http://schemas.openxmlformats.org/officeDocument/2006/relationships" xmlns:p="http://schemas.openxmlformats.org/presentationml/2006/main">
   <p:cSld>
     <p:spTree>
@@ -9767,6 +10289,10 @@
               <a:pPr algn="r"/>
               <a:t>3</a:t>
             </a:fld>
+            <a:r>
+              <a:rPr lang="en-US" smtClean="0"/>
+              <a:t>/23</a:t>
+            </a:r>
             <a:endParaRPr lang="en-US"/>
           </a:p>
         </p:txBody>
@@ -10139,6 +10665,10 @@
               <a:pPr algn="r"/>
               <a:t>4</a:t>
             </a:fld>
+            <a:r>
+              <a:rPr lang="en-US" smtClean="0"/>
+              <a:t>/23</a:t>
+            </a:r>
             <a:endParaRPr lang="en-US"/>
           </a:p>
         </p:txBody>
@@ -10424,6 +10954,10 @@
               <a:pPr algn="r"/>
               <a:t>5</a:t>
             </a:fld>
+            <a:r>
+              <a:rPr lang="en-US" smtClean="0"/>
+              <a:t>/23</a:t>
+            </a:r>
             <a:endParaRPr lang="en-US"/>
           </a:p>
         </p:txBody>
@@ -11066,6 +11600,10 @@
               <a:pPr algn="r"/>
               <a:t>6</a:t>
             </a:fld>
+            <a:r>
+              <a:rPr lang="en-US" smtClean="0"/>
+              <a:t>/23</a:t>
+            </a:r>
             <a:endParaRPr lang="en-US"/>
           </a:p>
         </p:txBody>
@@ -11113,10 +11651,8 @@
                 </a:solidFill>
                 <a:latin typeface="+mj-lt"/>
               </a:rPr>
-              <a:t>Xây dựng website liên lạc giữa gia đình và nhà trường</a:t>
-            </a:r>
-          </a:p>
-          <a:p>
+              <a:t>Xây dựng website liên lạc giữa gia đình và nhà </a:t>
+            </a:r>
             <a:r>
               <a:rPr lang="en-US" smtClean="0">
                 <a:solidFill>
@@ -11126,8 +11662,60 @@
                 </a:solidFill>
                 <a:latin typeface="+mj-lt"/>
               </a:rPr>
-              <a:t>Quy trình xây dựng phần </a:t>
-            </a:r>
+              <a:t>trường</a:t>
+            </a:r>
+          </a:p>
+          <a:p>
+            <a:pPr marL="342900" lvl="1" indent="-342900">
+              <a:buClr>
+                <a:schemeClr val="hlink"/>
+              </a:buClr>
+              <a:buFont typeface="Wingdings" pitchFamily="2" charset="2"/>
+              <a:buChar char="v"/>
+            </a:pPr>
+            <a:r>
+              <a:rPr lang="en-US" b="1">
+                <a:solidFill>
+                  <a:schemeClr val="bg2">
+                    <a:lumMod val="10000"/>
+                  </a:schemeClr>
+                </a:solidFill>
+                <a:latin typeface="+mj-lt"/>
+              </a:rPr>
+              <a:t>Phân tích thiết kế hệ thống theo hướng </a:t>
+            </a:r>
+            <a:r>
+              <a:rPr lang="en-US" b="1">
+                <a:solidFill>
+                  <a:schemeClr val="bg2">
+                    <a:lumMod val="10000"/>
+                  </a:schemeClr>
+                </a:solidFill>
+                <a:latin typeface="+mj-lt"/>
+              </a:rPr>
+              <a:t>đối </a:t>
+            </a:r>
+            <a:r>
+              <a:rPr lang="en-US" b="1" smtClean="0">
+                <a:solidFill>
+                  <a:schemeClr val="bg2">
+                    <a:lumMod val="10000"/>
+                  </a:schemeClr>
+                </a:solidFill>
+                <a:latin typeface="+mj-lt"/>
+              </a:rPr>
+              <a:t>tượng</a:t>
+            </a:r>
+            <a:endParaRPr lang="en-US" b="1" smtClean="0">
+              <a:solidFill>
+                <a:schemeClr val="bg2">
+                  <a:lumMod val="10000"/>
+                </a:schemeClr>
+              </a:solidFill>
+              <a:latin typeface="+mj-lt"/>
+            </a:endParaRPr>
+          </a:p>
+          <a:p>
             <a:r>
               <a:rPr lang="en-US" smtClean="0">
                 <a:solidFill>
@@ -11137,16 +11725,8 @@
                 </a:solidFill>
                 <a:latin typeface="+mj-lt"/>
               </a:rPr>
-              <a:t>mềm</a:t>
-            </a:r>
-            <a:endParaRPr lang="en-US" smtClean="0">
-              <a:solidFill>
-                <a:schemeClr val="bg2">
-                  <a:lumMod val="10000"/>
-                </a:schemeClr>
-              </a:solidFill>
-              <a:latin typeface="+mj-lt"/>
-            </a:endParaRPr>
+              <a:t>Quy trình xây dựng phần mềm</a:t>
+            </a:r>
           </a:p>
           <a:p>
             <a:pPr lvl="1"/>
@@ -11159,7 +11739,7 @@
                 </a:solidFill>
                 <a:latin typeface="+mj-lt"/>
               </a:rPr>
-              <a:t>Phân tích thiết kế hệ thống theo </a:t>
+              <a:t>Xây </a:t>
             </a:r>
             <a:r>
               <a:rPr lang="en-US" smtClean="0">
@@ -11170,7 +11750,7 @@
                 </a:solidFill>
                 <a:latin typeface="+mj-lt"/>
               </a:rPr>
-              <a:t>hướng đối tượng</a:t>
+              <a:t>dựng các mô hình chức năng</a:t>
             </a:r>
           </a:p>
           <a:p>
@@ -11184,65 +11764,7 @@
                 </a:solidFill>
                 <a:latin typeface="+mj-lt"/>
               </a:rPr>
-              <a:t>Xây dựng các m</a:t>
-            </a:r>
-            <a:r>
-              <a:rPr lang="en-US" smtClean="0">
-                <a:solidFill>
-                  <a:schemeClr val="bg2">
-                    <a:lumMod val="10000"/>
-                  </a:schemeClr>
-                </a:solidFill>
-                <a:latin typeface="+mj-lt"/>
-              </a:rPr>
-              <a:t>ô </a:t>
-            </a:r>
-            <a:r>
-              <a:rPr lang="en-US" smtClean="0">
-                <a:solidFill>
-                  <a:schemeClr val="bg2">
-                    <a:lumMod val="10000"/>
-                  </a:schemeClr>
-                </a:solidFill>
-                <a:latin typeface="+mj-lt"/>
-              </a:rPr>
-              <a:t>hình chức năng</a:t>
-            </a:r>
-          </a:p>
-          <a:p>
-            <a:pPr lvl="1"/>
-            <a:r>
-              <a:rPr lang="en-US" smtClean="0">
-                <a:solidFill>
-                  <a:schemeClr val="bg2">
-                    <a:lumMod val="10000"/>
-                  </a:schemeClr>
-                </a:solidFill>
-                <a:latin typeface="+mj-lt"/>
-              </a:rPr>
-              <a:t>Xây dựng mô </a:t>
-            </a:r>
-            <a:r>
-              <a:rPr lang="en-US" smtClean="0">
-                <a:solidFill>
-                  <a:schemeClr val="bg2">
-                    <a:lumMod val="10000"/>
-                  </a:schemeClr>
-                </a:solidFill>
-                <a:latin typeface="+mj-lt"/>
-              </a:rPr>
-              <a:t>hình dữ </a:t>
-            </a:r>
-            <a:r>
-              <a:rPr lang="en-US" smtClean="0">
-                <a:solidFill>
-                  <a:schemeClr val="bg2">
-                    <a:lumMod val="10000"/>
-                  </a:schemeClr>
-                </a:solidFill>
-                <a:latin typeface="+mj-lt"/>
-              </a:rPr>
-              <a:t>liệu</a:t>
+              <a:t>Xây dựng mô hình dữ liệu</a:t>
             </a:r>
           </a:p>
           <a:p>
@@ -11272,14 +11794,6 @@
               </a:rPr>
               <a:t>Test các chức năng</a:t>
             </a:r>
-            <a:endParaRPr lang="en-US" smtClean="0">
-              <a:solidFill>
-                <a:schemeClr val="bg2">
-                  <a:lumMod val="10000"/>
-                </a:schemeClr>
-              </a:solidFill>
-              <a:latin typeface="+mj-lt"/>
-            </a:endParaRPr>
           </a:p>
           <a:p>
             <a:pPr lvl="1"/>
@@ -11320,7 +11834,410 @@
   <p:timing>
     <p:tnLst>
       <p:par>
-        <p:cTn id="1" dur="indefinite" restart="never" nodeType="tmRoot"/>
+        <p:cTn id="1" dur="indefinite" restart="never" nodeType="tmRoot">
+          <p:childTnLst>
+            <p:seq concurrent="1" nextAc="seek">
+              <p:cTn id="2" dur="indefinite" nodeType="mainSeq">
+                <p:childTnLst>
+                  <p:par>
+                    <p:cTn id="3" fill="hold">
+                      <p:stCondLst>
+                        <p:cond delay="indefinite"/>
+                      </p:stCondLst>
+                      <p:childTnLst>
+                        <p:par>
+                          <p:cTn id="4" fill="hold">
+                            <p:stCondLst>
+                              <p:cond delay="0"/>
+                            </p:stCondLst>
+                            <p:childTnLst>
+                              <p:par>
+                                <p:cTn id="5" presetID="10" presetClass="entr" presetSubtype="0" fill="hold" nodeType="clickEffect">
+                                  <p:stCondLst>
+                                    <p:cond delay="0"/>
+                                  </p:stCondLst>
+                                  <p:childTnLst>
+                                    <p:set>
+                                      <p:cBhvr>
+                                        <p:cTn id="6" dur="1" fill="hold">
+                                          <p:stCondLst>
+                                            <p:cond delay="0"/>
+                                          </p:stCondLst>
+                                        </p:cTn>
+                                        <p:tgtEl>
+                                          <p:spTgt spid="28">
+                                            <p:txEl>
+                                              <p:pRg st="0" end="0"/>
+                                            </p:txEl>
+                                          </p:spTgt>
+                                        </p:tgtEl>
+                                        <p:attrNameLst>
+                                          <p:attrName>style.visibility</p:attrName>
+                                        </p:attrNameLst>
+                                      </p:cBhvr>
+                                      <p:to>
+                                        <p:strVal val="visible"/>
+                                      </p:to>
+                                    </p:set>
+                                    <p:animEffect transition="in" filter="fade">
+                                      <p:cBhvr>
+                                        <p:cTn id="7" dur="1000"/>
+                                        <p:tgtEl>
+                                          <p:spTgt spid="28">
+                                            <p:txEl>
+                                              <p:pRg st="0" end="0"/>
+                                            </p:txEl>
+                                          </p:spTgt>
+                                        </p:tgtEl>
+                                      </p:cBhvr>
+                                    </p:animEffect>
+                                  </p:childTnLst>
+                                </p:cTn>
+                              </p:par>
+                              <p:par>
+                                <p:cTn id="8" presetID="10" presetClass="entr" presetSubtype="0" fill="hold" nodeType="withEffect">
+                                  <p:stCondLst>
+                                    <p:cond delay="0"/>
+                                  </p:stCondLst>
+                                  <p:childTnLst>
+                                    <p:set>
+                                      <p:cBhvr>
+                                        <p:cTn id="9" dur="1" fill="hold">
+                                          <p:stCondLst>
+                                            <p:cond delay="0"/>
+                                          </p:stCondLst>
+                                        </p:cTn>
+                                        <p:tgtEl>
+                                          <p:spTgt spid="28">
+                                            <p:txEl>
+                                              <p:pRg st="1" end="1"/>
+                                            </p:txEl>
+                                          </p:spTgt>
+                                        </p:tgtEl>
+                                        <p:attrNameLst>
+                                          <p:attrName>style.visibility</p:attrName>
+                                        </p:attrNameLst>
+                                      </p:cBhvr>
+                                      <p:to>
+                                        <p:strVal val="visible"/>
+                                      </p:to>
+                                    </p:set>
+                                    <p:animEffect transition="in" filter="fade">
+                                      <p:cBhvr>
+                                        <p:cTn id="10" dur="1000"/>
+                                        <p:tgtEl>
+                                          <p:spTgt spid="28">
+                                            <p:txEl>
+                                              <p:pRg st="1" end="1"/>
+                                            </p:txEl>
+                                          </p:spTgt>
+                                        </p:tgtEl>
+                                      </p:cBhvr>
+                                    </p:animEffect>
+                                  </p:childTnLst>
+                                </p:cTn>
+                              </p:par>
+                              <p:par>
+                                <p:cTn id="11" presetID="10" presetClass="entr" presetSubtype="0" fill="hold" nodeType="withEffect">
+                                  <p:stCondLst>
+                                    <p:cond delay="0"/>
+                                  </p:stCondLst>
+                                  <p:childTnLst>
+                                    <p:set>
+                                      <p:cBhvr>
+                                        <p:cTn id="12" dur="1" fill="hold">
+                                          <p:stCondLst>
+                                            <p:cond delay="0"/>
+                                          </p:stCondLst>
+                                        </p:cTn>
+                                        <p:tgtEl>
+                                          <p:spTgt spid="28">
+                                            <p:txEl>
+                                              <p:pRg st="2" end="2"/>
+                                            </p:txEl>
+                                          </p:spTgt>
+                                        </p:tgtEl>
+                                        <p:attrNameLst>
+                                          <p:attrName>style.visibility</p:attrName>
+                                        </p:attrNameLst>
+                                      </p:cBhvr>
+                                      <p:to>
+                                        <p:strVal val="visible"/>
+                                      </p:to>
+                                    </p:set>
+                                    <p:animEffect transition="in" filter="fade">
+                                      <p:cBhvr>
+                                        <p:cTn id="13" dur="1000"/>
+                                        <p:tgtEl>
+                                          <p:spTgt spid="28">
+                                            <p:txEl>
+                                              <p:pRg st="2" end="2"/>
+                                            </p:txEl>
+                                          </p:spTgt>
+                                        </p:tgtEl>
+                                      </p:cBhvr>
+                                    </p:animEffect>
+                                  </p:childTnLst>
+                                </p:cTn>
+                              </p:par>
+                            </p:childTnLst>
+                          </p:cTn>
+                        </p:par>
+                      </p:childTnLst>
+                    </p:cTn>
+                  </p:par>
+                  <p:par>
+                    <p:cTn id="14" fill="hold">
+                      <p:stCondLst>
+                        <p:cond delay="indefinite"/>
+                      </p:stCondLst>
+                      <p:childTnLst>
+                        <p:par>
+                          <p:cTn id="15" fill="hold">
+                            <p:stCondLst>
+                              <p:cond delay="0"/>
+                            </p:stCondLst>
+                            <p:childTnLst>
+                              <p:par>
+                                <p:cTn id="16" presetID="10" presetClass="entr" presetSubtype="0" fill="hold" nodeType="clickEffect">
+                                  <p:stCondLst>
+                                    <p:cond delay="0"/>
+                                  </p:stCondLst>
+                                  <p:childTnLst>
+                                    <p:set>
+                                      <p:cBhvr>
+                                        <p:cTn id="17" dur="1" fill="hold">
+                                          <p:stCondLst>
+                                            <p:cond delay="0"/>
+                                          </p:stCondLst>
+                                        </p:cTn>
+                                        <p:tgtEl>
+                                          <p:spTgt spid="28">
+                                            <p:txEl>
+                                              <p:pRg st="3" end="3"/>
+                                            </p:txEl>
+                                          </p:spTgt>
+                                        </p:tgtEl>
+                                        <p:attrNameLst>
+                                          <p:attrName>style.visibility</p:attrName>
+                                        </p:attrNameLst>
+                                      </p:cBhvr>
+                                      <p:to>
+                                        <p:strVal val="visible"/>
+                                      </p:to>
+                                    </p:set>
+                                    <p:animEffect transition="in" filter="fade">
+                                      <p:cBhvr>
+                                        <p:cTn id="18" dur="1000"/>
+                                        <p:tgtEl>
+                                          <p:spTgt spid="28">
+                                            <p:txEl>
+                                              <p:pRg st="3" end="3"/>
+                                            </p:txEl>
+                                          </p:spTgt>
+                                        </p:tgtEl>
+                                      </p:cBhvr>
+                                    </p:animEffect>
+                                  </p:childTnLst>
+                                </p:cTn>
+                              </p:par>
+                              <p:par>
+                                <p:cTn id="19" presetID="10" presetClass="entr" presetSubtype="0" fill="hold" nodeType="withEffect">
+                                  <p:stCondLst>
+                                    <p:cond delay="0"/>
+                                  </p:stCondLst>
+                                  <p:childTnLst>
+                                    <p:set>
+                                      <p:cBhvr>
+                                        <p:cTn id="20" dur="1" fill="hold">
+                                          <p:stCondLst>
+                                            <p:cond delay="0"/>
+                                          </p:stCondLst>
+                                        </p:cTn>
+                                        <p:tgtEl>
+                                          <p:spTgt spid="28">
+                                            <p:txEl>
+                                              <p:pRg st="4" end="4"/>
+                                            </p:txEl>
+                                          </p:spTgt>
+                                        </p:tgtEl>
+                                        <p:attrNameLst>
+                                          <p:attrName>style.visibility</p:attrName>
+                                        </p:attrNameLst>
+                                      </p:cBhvr>
+                                      <p:to>
+                                        <p:strVal val="visible"/>
+                                      </p:to>
+                                    </p:set>
+                                    <p:animEffect transition="in" filter="fade">
+                                      <p:cBhvr>
+                                        <p:cTn id="21" dur="1000"/>
+                                        <p:tgtEl>
+                                          <p:spTgt spid="28">
+                                            <p:txEl>
+                                              <p:pRg st="4" end="4"/>
+                                            </p:txEl>
+                                          </p:spTgt>
+                                        </p:tgtEl>
+                                      </p:cBhvr>
+                                    </p:animEffect>
+                                  </p:childTnLst>
+                                </p:cTn>
+                              </p:par>
+                              <p:par>
+                                <p:cTn id="22" presetID="10" presetClass="entr" presetSubtype="0" fill="hold" nodeType="withEffect">
+                                  <p:stCondLst>
+                                    <p:cond delay="0"/>
+                                  </p:stCondLst>
+                                  <p:childTnLst>
+                                    <p:set>
+                                      <p:cBhvr>
+                                        <p:cTn id="23" dur="1" fill="hold">
+                                          <p:stCondLst>
+                                            <p:cond delay="0"/>
+                                          </p:stCondLst>
+                                        </p:cTn>
+                                        <p:tgtEl>
+                                          <p:spTgt spid="28">
+                                            <p:txEl>
+                                              <p:pRg st="5" end="5"/>
+                                            </p:txEl>
+                                          </p:spTgt>
+                                        </p:tgtEl>
+                                        <p:attrNameLst>
+                                          <p:attrName>style.visibility</p:attrName>
+                                        </p:attrNameLst>
+                                      </p:cBhvr>
+                                      <p:to>
+                                        <p:strVal val="visible"/>
+                                      </p:to>
+                                    </p:set>
+                                    <p:animEffect transition="in" filter="fade">
+                                      <p:cBhvr>
+                                        <p:cTn id="24" dur="1000"/>
+                                        <p:tgtEl>
+                                          <p:spTgt spid="28">
+                                            <p:txEl>
+                                              <p:pRg st="5" end="5"/>
+                                            </p:txEl>
+                                          </p:spTgt>
+                                        </p:tgtEl>
+                                      </p:cBhvr>
+                                    </p:animEffect>
+                                  </p:childTnLst>
+                                </p:cTn>
+                              </p:par>
+                              <p:par>
+                                <p:cTn id="25" presetID="10" presetClass="entr" presetSubtype="0" fill="hold" nodeType="withEffect">
+                                  <p:stCondLst>
+                                    <p:cond delay="0"/>
+                                  </p:stCondLst>
+                                  <p:childTnLst>
+                                    <p:set>
+                                      <p:cBhvr>
+                                        <p:cTn id="26" dur="1" fill="hold">
+                                          <p:stCondLst>
+                                            <p:cond delay="0"/>
+                                          </p:stCondLst>
+                                        </p:cTn>
+                                        <p:tgtEl>
+                                          <p:spTgt spid="28">
+                                            <p:txEl>
+                                              <p:pRg st="6" end="6"/>
+                                            </p:txEl>
+                                          </p:spTgt>
+                                        </p:tgtEl>
+                                        <p:attrNameLst>
+                                          <p:attrName>style.visibility</p:attrName>
+                                        </p:attrNameLst>
+                                      </p:cBhvr>
+                                      <p:to>
+                                        <p:strVal val="visible"/>
+                                      </p:to>
+                                    </p:set>
+                                    <p:animEffect transition="in" filter="fade">
+                                      <p:cBhvr>
+                                        <p:cTn id="27" dur="1000"/>
+                                        <p:tgtEl>
+                                          <p:spTgt spid="28">
+                                            <p:txEl>
+                                              <p:pRg st="6" end="6"/>
+                                            </p:txEl>
+                                          </p:spTgt>
+                                        </p:tgtEl>
+                                      </p:cBhvr>
+                                    </p:animEffect>
+                                  </p:childTnLst>
+                                </p:cTn>
+                              </p:par>
+                              <p:par>
+                                <p:cTn id="28" presetID="10" presetClass="entr" presetSubtype="0" fill="hold" nodeType="withEffect">
+                                  <p:stCondLst>
+                                    <p:cond delay="0"/>
+                                  </p:stCondLst>
+                                  <p:childTnLst>
+                                    <p:set>
+                                      <p:cBhvr>
+                                        <p:cTn id="29" dur="1" fill="hold">
+                                          <p:stCondLst>
+                                            <p:cond delay="0"/>
+                                          </p:stCondLst>
+                                        </p:cTn>
+                                        <p:tgtEl>
+                                          <p:spTgt spid="28">
+                                            <p:txEl>
+                                              <p:pRg st="7" end="7"/>
+                                            </p:txEl>
+                                          </p:spTgt>
+                                        </p:tgtEl>
+                                        <p:attrNameLst>
+                                          <p:attrName>style.visibility</p:attrName>
+                                        </p:attrNameLst>
+                                      </p:cBhvr>
+                                      <p:to>
+                                        <p:strVal val="visible"/>
+                                      </p:to>
+                                    </p:set>
+                                    <p:animEffect transition="in" filter="fade">
+                                      <p:cBhvr>
+                                        <p:cTn id="30" dur="1000"/>
+                                        <p:tgtEl>
+                                          <p:spTgt spid="28">
+                                            <p:txEl>
+                                              <p:pRg st="7" end="7"/>
+                                            </p:txEl>
+                                          </p:spTgt>
+                                        </p:tgtEl>
+                                      </p:cBhvr>
+                                    </p:animEffect>
+                                  </p:childTnLst>
+                                </p:cTn>
+                              </p:par>
+                            </p:childTnLst>
+                          </p:cTn>
+                        </p:par>
+                      </p:childTnLst>
+                    </p:cTn>
+                  </p:par>
+                </p:childTnLst>
+              </p:cTn>
+              <p:prevCondLst>
+                <p:cond evt="onPrev" delay="0">
+                  <p:tgtEl>
+                    <p:sldTgt/>
+                  </p:tgtEl>
+                </p:cond>
+              </p:prevCondLst>
+              <p:nextCondLst>
+                <p:cond evt="onNext" delay="0">
+                  <p:tgtEl>
+                    <p:sldTgt/>
+                  </p:tgtEl>
+                </p:cond>
+              </p:nextCondLst>
+            </p:seq>
+          </p:childTnLst>
+        </p:cTn>
       </p:par>
     </p:tnLst>
   </p:timing>
@@ -11394,6 +12311,10 @@
               <a:pPr algn="r"/>
               <a:t>7</a:t>
             </a:fld>
+            <a:r>
+              <a:rPr lang="en-US" smtClean="0"/>
+              <a:t>/23</a:t>
+            </a:r>
             <a:endParaRPr lang="en-US"/>
           </a:p>
         </p:txBody>
@@ -11454,7 +12375,7 @@
           <p:nvPr/>
         </p:nvPicPr>
         <p:blipFill>
-          <a:blip r:embed="rId2"/>
+          <a:blip r:embed="rId3"/>
           <a:stretch>
             <a:fillRect/>
           </a:stretch>
@@ -11584,6 +12505,10 @@
               <a:pPr algn="r"/>
               <a:t>8</a:t>
             </a:fld>
+            <a:r>
+              <a:rPr lang="en-US" smtClean="0"/>
+              <a:t>/23</a:t>
+            </a:r>
             <a:endParaRPr lang="en-US"/>
           </a:p>
         </p:txBody>
@@ -11597,7 +12522,7 @@
           <p:nvPr/>
         </p:nvPicPr>
         <p:blipFill>
-          <a:blip r:embed="rId2"/>
+          <a:blip r:embed="rId3"/>
           <a:stretch>
             <a:fillRect/>
           </a:stretch>
@@ -11727,6 +12652,10 @@
               <a:pPr algn="r"/>
               <a:t>9</a:t>
             </a:fld>
+            <a:r>
+              <a:rPr lang="en-US" smtClean="0"/>
+              <a:t>/23</a:t>
+            </a:r>
             <a:endParaRPr lang="en-US"/>
           </a:p>
         </p:txBody>

--- a/docs/Thuyết trình/New.pptx
+++ b/docs/Thuyết trình/New.pptx
@@ -806,41 +806,7 @@
           <a:p>
             <a:r>
               <a:rPr lang="en-US" smtClean="0"/>
-              <a:t>Cần</a:t>
-            </a:r>
-            <a:r>
-              <a:rPr lang="en-US" baseline="0" smtClean="0"/>
-              <a:t> có sự mạch lạc, liên hệ giữa các slide</a:t>
-            </a:r>
-          </a:p>
-          <a:p>
-            <a:r>
-              <a:rPr lang="en-US" baseline="0" smtClean="0"/>
-              <a:t>Nói tổng thể (ko đi vào tiểu tiết)- Nói 1,2 câu đầu tóm tắt chủ đề.Khi nào thầy hỏi thì mới trả lời chi tiêt</a:t>
-            </a:r>
-          </a:p>
-          <a:p>
-            <a:r>
-              <a:rPr lang="en-US" baseline="0" smtClean="0"/>
-              <a:t>Giao dien : Dua ra cac giao dien chinh thoi(4 cai)</a:t>
-            </a:r>
-          </a:p>
-          <a:p>
-            <a:r>
-              <a:rPr lang="en-US" baseline="0" smtClean="0"/>
-              <a:t>Chỉ nói các chức năng chính của hệ thống thôi(tập trung vào những cái đó)</a:t>
-            </a:r>
-          </a:p>
-          <a:p>
-            <a:r>
-              <a:rPr lang="en-US" baseline="0" smtClean="0"/>
-              <a:t>Đánh số slide</a:t>
-            </a:r>
-          </a:p>
-          <a:p>
-            <a:r>
-              <a:rPr lang="en-US" baseline="0" smtClean="0"/>
-              <a:t>Vừa chỉ vừa nois</a:t>
+              <a:t>Nd tb cua em hom nay bao gom cac vd sau 1: 2: 3:</a:t>
             </a:r>
             <a:endParaRPr lang="en-US"/>
           </a:p>
@@ -864,7 +830,7 @@
             <a:fld id="{BBCD07B7-96F5-4C30-B1AE-663A2A3D75FB}" type="slidenum">
               <a:rPr lang="en-US" smtClean="0"/>
               <a:pPr/>
-              <a:t>3</a:t>
+              <a:t>2</a:t>
             </a:fld>
             <a:endParaRPr lang="en-US"/>
           </a:p>
@@ -873,7 +839,416 @@
     </p:spTree>
     <p:extLst>
       <p:ext uri="{BB962C8B-B14F-4D97-AF65-F5344CB8AC3E}">
-        <p14:creationId xmlns:p14="http://schemas.microsoft.com/office/powerpoint/2010/main" val="3916378382"/>
+        <p14:creationId xmlns:p14="http://schemas.microsoft.com/office/powerpoint/2010/main" val="2404249112"/>
+      </p:ext>
+    </p:extLst>
+  </p:cSld>
+  <p:clrMapOvr>
+    <a:masterClrMapping/>
+  </p:clrMapOvr>
+</p:notes>
+</file>
+
+<file path=ppt/notesSlides/notesSlide10.xml><?xml version="1.0" encoding="utf-8"?>
+<p:notes xmlns:a="http://schemas.openxmlformats.org/drawingml/2006/main" xmlns:r="http://schemas.openxmlformats.org/officeDocument/2006/relationships" xmlns:p="http://schemas.openxmlformats.org/presentationml/2006/main">
+  <p:cSld>
+    <p:spTree>
+      <p:nvGrpSpPr>
+        <p:cNvPr id="1" name=""/>
+        <p:cNvGrpSpPr/>
+        <p:nvPr/>
+      </p:nvGrpSpPr>
+      <p:grpSpPr>
+        <a:xfrm>
+          <a:off x="0" y="0"/>
+          <a:ext cx="0" cy="0"/>
+          <a:chOff x="0" y="0"/>
+          <a:chExt cx="0" cy="0"/>
+        </a:xfrm>
+      </p:grpSpPr>
+      <p:sp>
+        <p:nvSpPr>
+          <p:cNvPr id="2" name="Slide Image Placeholder 1"/>
+          <p:cNvSpPr>
+            <a:spLocks noGrp="1" noRot="1" noChangeAspect="1"/>
+          </p:cNvSpPr>
+          <p:nvPr>
+            <p:ph type="sldImg"/>
+          </p:nvPr>
+        </p:nvSpPr>
+        <p:spPr/>
+      </p:sp>
+      <p:sp>
+        <p:nvSpPr>
+          <p:cNvPr id="3" name="Notes Placeholder 2"/>
+          <p:cNvSpPr>
+            <a:spLocks noGrp="1"/>
+          </p:cNvSpPr>
+          <p:nvPr>
+            <p:ph type="body" idx="1"/>
+          </p:nvPr>
+        </p:nvSpPr>
+        <p:spPr/>
+        <p:txBody>
+          <a:bodyPr/>
+          <a:lstStyle/>
+          <a:p>
+            <a:r>
+              <a:rPr lang="en-US" smtClean="0"/>
+              <a:t>Đề</a:t>
+            </a:r>
+            <a:r>
+              <a:rPr lang="en-US" baseline="0" smtClean="0"/>
+              <a:t> xuất sd: nhanh , ko mất phí, ko vi phạm bản quyền, </a:t>
+            </a:r>
+            <a:endParaRPr lang="en-US"/>
+          </a:p>
+        </p:txBody>
+      </p:sp>
+      <p:sp>
+        <p:nvSpPr>
+          <p:cNvPr id="4" name="Slide Number Placeholder 3"/>
+          <p:cNvSpPr>
+            <a:spLocks noGrp="1"/>
+          </p:cNvSpPr>
+          <p:nvPr>
+            <p:ph type="sldNum" sz="quarter" idx="10"/>
+          </p:nvPr>
+        </p:nvSpPr>
+        <p:spPr/>
+        <p:txBody>
+          <a:bodyPr/>
+          <a:lstStyle/>
+          <a:p>
+            <a:fld id="{BBCD07B7-96F5-4C30-B1AE-663A2A3D75FB}" type="slidenum">
+              <a:rPr lang="en-US" smtClean="0"/>
+              <a:pPr/>
+              <a:t>14</a:t>
+            </a:fld>
+            <a:endParaRPr lang="en-US"/>
+          </a:p>
+        </p:txBody>
+      </p:sp>
+    </p:spTree>
+    <p:extLst>
+      <p:ext uri="{BB962C8B-B14F-4D97-AF65-F5344CB8AC3E}">
+        <p14:creationId xmlns:p14="http://schemas.microsoft.com/office/powerpoint/2010/main" val="2643006378"/>
+      </p:ext>
+    </p:extLst>
+  </p:cSld>
+  <p:clrMapOvr>
+    <a:masterClrMapping/>
+  </p:clrMapOvr>
+</p:notes>
+</file>
+
+<file path=ppt/notesSlides/notesSlide11.xml><?xml version="1.0" encoding="utf-8"?>
+<p:notes xmlns:a="http://schemas.openxmlformats.org/drawingml/2006/main" xmlns:r="http://schemas.openxmlformats.org/officeDocument/2006/relationships" xmlns:p="http://schemas.openxmlformats.org/presentationml/2006/main">
+  <p:cSld>
+    <p:spTree>
+      <p:nvGrpSpPr>
+        <p:cNvPr id="1" name=""/>
+        <p:cNvGrpSpPr/>
+        <p:nvPr/>
+      </p:nvGrpSpPr>
+      <p:grpSpPr>
+        <a:xfrm>
+          <a:off x="0" y="0"/>
+          <a:ext cx="0" cy="0"/>
+          <a:chOff x="0" y="0"/>
+          <a:chExt cx="0" cy="0"/>
+        </a:xfrm>
+      </p:grpSpPr>
+      <p:sp>
+        <p:nvSpPr>
+          <p:cNvPr id="2" name="Slide Image Placeholder 1"/>
+          <p:cNvSpPr>
+            <a:spLocks noGrp="1" noRot="1" noChangeAspect="1"/>
+          </p:cNvSpPr>
+          <p:nvPr>
+            <p:ph type="sldImg"/>
+          </p:nvPr>
+        </p:nvSpPr>
+        <p:spPr/>
+      </p:sp>
+      <p:sp>
+        <p:nvSpPr>
+          <p:cNvPr id="3" name="Notes Placeholder 2"/>
+          <p:cNvSpPr>
+            <a:spLocks noGrp="1"/>
+          </p:cNvSpPr>
+          <p:nvPr>
+            <p:ph type="body" idx="1"/>
+          </p:nvPr>
+        </p:nvSpPr>
+        <p:spPr/>
+        <p:txBody>
+          <a:bodyPr/>
+          <a:lstStyle/>
+          <a:p>
+            <a:r>
+              <a:rPr lang="en-US" smtClean="0"/>
+              <a:t>Ngoài</a:t>
+            </a:r>
+            <a:r>
+              <a:rPr lang="en-US" baseline="0" smtClean="0"/>
+              <a:t> những công nghệ như ajax, jquery </a:t>
+            </a:r>
+            <a:r>
+              <a:rPr lang="en-US" baseline="0" smtClean="0">
+                <a:sym typeface="Wingdings" panose="05000000000000000000" pitchFamily="2" charset="2"/>
+              </a:rPr>
+              <a:t> hien thi tot--.dac biet website cua emntn </a:t>
+            </a:r>
+            <a:r>
+              <a:rPr lang="en-US" baseline="0" smtClean="0">
+                <a:sym typeface="Wingdings" panose="05000000000000000000" pitchFamily="2" charset="2"/>
+              </a:rPr>
+              <a:t>do</a:t>
+            </a:r>
+          </a:p>
+          <a:p>
+            <a:r>
+              <a:rPr lang="vi-VN" sz="1200" b="0" i="0" kern="1200" smtClean="0">
+                <a:solidFill>
+                  <a:schemeClr val="tx1"/>
+                </a:solidFill>
+                <a:effectLst/>
+                <a:latin typeface="+mn-lt"/>
+                <a:ea typeface="+mn-ea"/>
+                <a:cs typeface="+mn-cs"/>
+              </a:rPr>
+              <a:t>thể hiển thị tương thích trên mọi kích thước hiển thị của trình duyệt.</a:t>
+            </a:r>
+            <a:endParaRPr lang="en-US" sz="1200" b="0" i="0" kern="1200" smtClean="0">
+              <a:solidFill>
+                <a:schemeClr val="tx1"/>
+              </a:solidFill>
+              <a:effectLst/>
+              <a:latin typeface="+mn-lt"/>
+              <a:ea typeface="+mn-ea"/>
+              <a:cs typeface="+mn-cs"/>
+            </a:endParaRPr>
+          </a:p>
+          <a:p>
+            <a:endParaRPr lang="en-US"/>
+          </a:p>
+        </p:txBody>
+      </p:sp>
+      <p:sp>
+        <p:nvSpPr>
+          <p:cNvPr id="4" name="Slide Number Placeholder 3"/>
+          <p:cNvSpPr>
+            <a:spLocks noGrp="1"/>
+          </p:cNvSpPr>
+          <p:nvPr>
+            <p:ph type="sldNum" sz="quarter" idx="10"/>
+          </p:nvPr>
+        </p:nvSpPr>
+        <p:spPr/>
+        <p:txBody>
+          <a:bodyPr/>
+          <a:lstStyle/>
+          <a:p>
+            <a:fld id="{BBCD07B7-96F5-4C30-B1AE-663A2A3D75FB}" type="slidenum">
+              <a:rPr lang="en-US" smtClean="0"/>
+              <a:pPr/>
+              <a:t>15</a:t>
+            </a:fld>
+            <a:endParaRPr lang="en-US"/>
+          </a:p>
+        </p:txBody>
+      </p:sp>
+    </p:spTree>
+    <p:extLst>
+      <p:ext uri="{BB962C8B-B14F-4D97-AF65-F5344CB8AC3E}">
+        <p14:creationId xmlns:p14="http://schemas.microsoft.com/office/powerpoint/2010/main" val="1940258816"/>
+      </p:ext>
+    </p:extLst>
+  </p:cSld>
+  <p:clrMapOvr>
+    <a:masterClrMapping/>
+  </p:clrMapOvr>
+</p:notes>
+</file>
+
+<file path=ppt/notesSlides/notesSlide12.xml><?xml version="1.0" encoding="utf-8"?>
+<p:notes xmlns:a="http://schemas.openxmlformats.org/drawingml/2006/main" xmlns:r="http://schemas.openxmlformats.org/officeDocument/2006/relationships" xmlns:p="http://schemas.openxmlformats.org/presentationml/2006/main">
+  <p:cSld>
+    <p:spTree>
+      <p:nvGrpSpPr>
+        <p:cNvPr id="1" name=""/>
+        <p:cNvGrpSpPr/>
+        <p:nvPr/>
+      </p:nvGrpSpPr>
+      <p:grpSpPr>
+        <a:xfrm>
+          <a:off x="0" y="0"/>
+          <a:ext cx="0" cy="0"/>
+          <a:chOff x="0" y="0"/>
+          <a:chExt cx="0" cy="0"/>
+        </a:xfrm>
+      </p:grpSpPr>
+      <p:sp>
+        <p:nvSpPr>
+          <p:cNvPr id="2" name="Slide Image Placeholder 1"/>
+          <p:cNvSpPr>
+            <a:spLocks noGrp="1" noRot="1" noChangeAspect="1"/>
+          </p:cNvSpPr>
+          <p:nvPr>
+            <p:ph type="sldImg"/>
+          </p:nvPr>
+        </p:nvSpPr>
+        <p:spPr/>
+      </p:sp>
+      <p:sp>
+        <p:nvSpPr>
+          <p:cNvPr id="3" name="Notes Placeholder 2"/>
+          <p:cNvSpPr>
+            <a:spLocks noGrp="1"/>
+          </p:cNvSpPr>
+          <p:nvPr>
+            <p:ph type="body" idx="1"/>
+          </p:nvPr>
+        </p:nvSpPr>
+        <p:spPr/>
+        <p:txBody>
+          <a:bodyPr/>
+          <a:lstStyle/>
+          <a:p>
+            <a:r>
+              <a:rPr lang="en-US" smtClean="0"/>
+              <a:t>De bao tri de lap trinh de</a:t>
+            </a:r>
+            <a:r>
+              <a:rPr lang="en-US" baseline="0" smtClean="0"/>
+              <a:t> nang cap</a:t>
+            </a:r>
+            <a:endParaRPr lang="en-US"/>
+          </a:p>
+        </p:txBody>
+      </p:sp>
+      <p:sp>
+        <p:nvSpPr>
+          <p:cNvPr id="4" name="Slide Number Placeholder 3"/>
+          <p:cNvSpPr>
+            <a:spLocks noGrp="1"/>
+          </p:cNvSpPr>
+          <p:nvPr>
+            <p:ph type="sldNum" sz="quarter" idx="10"/>
+          </p:nvPr>
+        </p:nvSpPr>
+        <p:spPr/>
+        <p:txBody>
+          <a:bodyPr/>
+          <a:lstStyle/>
+          <a:p>
+            <a:fld id="{BBCD07B7-96F5-4C30-B1AE-663A2A3D75FB}" type="slidenum">
+              <a:rPr lang="en-US" smtClean="0"/>
+              <a:pPr/>
+              <a:t>16</a:t>
+            </a:fld>
+            <a:endParaRPr lang="en-US"/>
+          </a:p>
+        </p:txBody>
+      </p:sp>
+    </p:spTree>
+    <p:extLst>
+      <p:ext uri="{BB962C8B-B14F-4D97-AF65-F5344CB8AC3E}">
+        <p14:creationId xmlns:p14="http://schemas.microsoft.com/office/powerpoint/2010/main" val="3248391909"/>
+      </p:ext>
+    </p:extLst>
+  </p:cSld>
+  <p:clrMapOvr>
+    <a:masterClrMapping/>
+  </p:clrMapOvr>
+</p:notes>
+</file>
+
+<file path=ppt/notesSlides/notesSlide13.xml><?xml version="1.0" encoding="utf-8"?>
+<p:notes xmlns:a="http://schemas.openxmlformats.org/drawingml/2006/main" xmlns:r="http://schemas.openxmlformats.org/officeDocument/2006/relationships" xmlns:p="http://schemas.openxmlformats.org/presentationml/2006/main">
+  <p:cSld>
+    <p:spTree>
+      <p:nvGrpSpPr>
+        <p:cNvPr id="1" name=""/>
+        <p:cNvGrpSpPr/>
+        <p:nvPr/>
+      </p:nvGrpSpPr>
+      <p:grpSpPr>
+        <a:xfrm>
+          <a:off x="0" y="0"/>
+          <a:ext cx="0" cy="0"/>
+          <a:chOff x="0" y="0"/>
+          <a:chExt cx="0" cy="0"/>
+        </a:xfrm>
+      </p:grpSpPr>
+      <p:sp>
+        <p:nvSpPr>
+          <p:cNvPr id="2" name="Slide Image Placeholder 1"/>
+          <p:cNvSpPr>
+            <a:spLocks noGrp="1" noRot="1" noChangeAspect="1"/>
+          </p:cNvSpPr>
+          <p:nvPr>
+            <p:ph type="sldImg"/>
+          </p:nvPr>
+        </p:nvSpPr>
+        <p:spPr/>
+      </p:sp>
+      <p:sp>
+        <p:nvSpPr>
+          <p:cNvPr id="3" name="Notes Placeholder 2"/>
+          <p:cNvSpPr>
+            <a:spLocks noGrp="1"/>
+          </p:cNvSpPr>
+          <p:nvPr>
+            <p:ph type="body" idx="1"/>
+          </p:nvPr>
+        </p:nvSpPr>
+        <p:spPr/>
+        <p:txBody>
+          <a:bodyPr/>
+          <a:lstStyle/>
+          <a:p>
+            <a:r>
+              <a:rPr lang="en-US" smtClean="0"/>
+              <a:t>Sau day em xin tb phan demo; -&gt; ht</a:t>
+            </a:r>
+            <a:r>
+              <a:rPr lang="en-US" baseline="0" smtClean="0"/>
+              <a:t> cua em co nhung 4 nhom nd trong do co 2 nhom nd</a:t>
+            </a:r>
+            <a:endParaRPr lang="en-US"/>
+          </a:p>
+        </p:txBody>
+      </p:sp>
+      <p:sp>
+        <p:nvSpPr>
+          <p:cNvPr id="4" name="Slide Number Placeholder 3"/>
+          <p:cNvSpPr>
+            <a:spLocks noGrp="1"/>
+          </p:cNvSpPr>
+          <p:nvPr>
+            <p:ph type="sldNum" sz="quarter" idx="10"/>
+          </p:nvPr>
+        </p:nvSpPr>
+        <p:spPr/>
+        <p:txBody>
+          <a:bodyPr/>
+          <a:lstStyle/>
+          <a:p>
+            <a:fld id="{BBCD07B7-96F5-4C30-B1AE-663A2A3D75FB}" type="slidenum">
+              <a:rPr lang="en-US" smtClean="0"/>
+              <a:pPr/>
+              <a:t>22</a:t>
+            </a:fld>
+            <a:endParaRPr lang="en-US"/>
+          </a:p>
+        </p:txBody>
+      </p:sp>
+    </p:spTree>
+    <p:extLst>
+      <p:ext uri="{BB962C8B-B14F-4D97-AF65-F5344CB8AC3E}">
+        <p14:creationId xmlns:p14="http://schemas.microsoft.com/office/powerpoint/2010/main" val="1760572014"/>
       </p:ext>
     </p:extLst>
   </p:cSld>
@@ -929,17 +1304,71 @@
           <a:p>
             <a:r>
               <a:rPr lang="en-US" smtClean="0"/>
-              <a:t>Thông</a:t>
+              <a:t>Cần</a:t>
             </a:r>
             <a:r>
               <a:rPr lang="en-US" baseline="0" smtClean="0"/>
-              <a:t> tin không thông suốt, thường xuyên</a:t>
+              <a:t> có sự mạch lạc, liên hệ giữa các slide</a:t>
             </a:r>
           </a:p>
           <a:p>
             <a:r>
               <a:rPr lang="en-US" baseline="0" smtClean="0"/>
-              <a:t>Sll chỉ liên lạc về điểm số</a:t>
+              <a:t>Nói tổng thể (ko đi vào tiểu tiết)- Nói 1,2 câu đầu tóm tắt chủ đề.Khi nào thầy hỏi thì mới trả lời chi tiêt</a:t>
+            </a:r>
+          </a:p>
+          <a:p>
+            <a:r>
+              <a:rPr lang="en-US" baseline="0" smtClean="0"/>
+              <a:t>Giao dien : Dua ra cac giao dien chinh thoi(4 cai)</a:t>
+            </a:r>
+          </a:p>
+          <a:p>
+            <a:r>
+              <a:rPr lang="en-US" baseline="0" smtClean="0"/>
+              <a:t>Chỉ nói các chức năng chính của hệ thống thôi(tập trung vào những cái đó)</a:t>
+            </a:r>
+          </a:p>
+          <a:p>
+            <a:r>
+              <a:rPr lang="en-US" baseline="0" smtClean="0"/>
+              <a:t>Đánh số slide</a:t>
+            </a:r>
+          </a:p>
+          <a:p>
+            <a:r>
+              <a:rPr lang="en-US" baseline="0" smtClean="0"/>
+              <a:t>Vừa chỉ vừa </a:t>
+            </a:r>
+            <a:r>
+              <a:rPr lang="en-US" baseline="0" smtClean="0"/>
+              <a:t>nois</a:t>
+            </a:r>
+          </a:p>
+          <a:p>
+            <a:r>
+              <a:rPr lang="en-US" baseline="0" smtClean="0"/>
+              <a:t>TT 30 thay doi cach day va hoc ở bac tieu hoc hien nay</a:t>
+            </a:r>
+          </a:p>
+          <a:p>
+            <a:r>
+              <a:rPr lang="en-US" baseline="0" smtClean="0"/>
+              <a:t>Theo thong tu 30 , se ko dung diem so de danh gia thuong xyyen ma thay vao do gv se nhan xet, danh gia tx thong qua cac hoat dong tren lop(hoc tap, hoat dong nhom )</a:t>
+            </a:r>
+            <a:r>
+              <a:rPr lang="en-US" baseline="0" smtClean="0">
+                <a:sym typeface="Wingdings" panose="05000000000000000000" pitchFamily="2" charset="2"/>
+              </a:rPr>
+              <a:t> mud cua viec nay la : </a:t>
+            </a:r>
+          </a:p>
+          <a:p>
+            <a:r>
+              <a:rPr lang="en-US" baseline="0" smtClean="0">
+                <a:sym typeface="Wingdings" panose="05000000000000000000" pitchFamily="2" charset="2"/>
+              </a:rPr>
+              <a:t>Neu ko td thi gd va nt se ko co su lien he can thiet de giup, ,thì db là phụ huynh sẽ ko thể nắm rõ đc qt phát triển của con em mình(điều quan trong ở bậc tiểu học) chính vì lý do đo việc liên lạc giữa gd và nt  là rất quan trong</a:t>
             </a:r>
             <a:endParaRPr lang="en-US"/>
           </a:p>
@@ -963,7 +1392,7 @@
             <a:fld id="{BBCD07B7-96F5-4C30-B1AE-663A2A3D75FB}" type="slidenum">
               <a:rPr lang="en-US" smtClean="0"/>
               <a:pPr/>
-              <a:t>5</a:t>
+              <a:t>3</a:t>
             </a:fld>
             <a:endParaRPr lang="en-US"/>
           </a:p>
@@ -972,7 +1401,7 @@
     </p:spTree>
     <p:extLst>
       <p:ext uri="{BB962C8B-B14F-4D97-AF65-F5344CB8AC3E}">
-        <p14:creationId xmlns:p14="http://schemas.microsoft.com/office/powerpoint/2010/main" val="3660023666"/>
+        <p14:creationId xmlns:p14="http://schemas.microsoft.com/office/powerpoint/2010/main" val="3916378382"/>
       </p:ext>
     </p:extLst>
   </p:cSld>
@@ -1028,11 +1457,44 @@
           <a:p>
             <a:r>
               <a:rPr lang="en-US" smtClean="0"/>
-              <a:t>4 Tác</a:t>
+              <a:t>Hiện trạng</a:t>
             </a:r>
             <a:r>
               <a:rPr lang="en-US" baseline="0" smtClean="0"/>
-              <a:t> nhân</a:t>
+              <a:t> ll hien nay</a:t>
+            </a:r>
+            <a:r>
+              <a:rPr lang="en-US" smtClean="0"/>
+              <a:t> nay sự</a:t>
+            </a:r>
+            <a:r>
+              <a:rPr lang="en-US" baseline="0" smtClean="0"/>
+              <a:t> ll giữa gd và  nt : dừng ở 2 mức độ</a:t>
+            </a:r>
+          </a:p>
+          <a:p>
+            <a:r>
+              <a:rPr lang="en-US" baseline="0" smtClean="0"/>
+              <a:t>1 nam hoc co 3 lan td: dau nam cuoi ky 1 cuoi kỳ 2</a:t>
+            </a:r>
+            <a:r>
+              <a:rPr lang="en-US" baseline="0" smtClean="0">
+                <a:sym typeface="Wingdings" panose="05000000000000000000" pitchFamily="2" charset="2"/>
+              </a:rPr>
+              <a:t></a:t>
+            </a:r>
+          </a:p>
+          <a:p>
+            <a:endParaRPr lang="en-US" baseline="0" smtClean="0">
+              <a:sym typeface="Wingdings" panose="05000000000000000000" pitchFamily="2" charset="2"/>
+            </a:endParaRPr>
+          </a:p>
+          <a:p>
+            <a:r>
+              <a:rPr lang="en-US" baseline="0" smtClean="0">
+                <a:sym typeface="Wingdings" panose="05000000000000000000" pitchFamily="2" charset="2"/>
+              </a:rPr>
+              <a:t>Vs nhung pp truyen thong tren Ko tm nhu cau lien ll td voi nhu cau vs mo hinh moi nay</a:t>
             </a:r>
             <a:endParaRPr lang="en-US"/>
           </a:p>
@@ -1056,7 +1518,7 @@
             <a:fld id="{BBCD07B7-96F5-4C30-B1AE-663A2A3D75FB}" type="slidenum">
               <a:rPr lang="en-US" smtClean="0"/>
               <a:pPr/>
-              <a:t>7</a:t>
+              <a:t>4</a:t>
             </a:fld>
             <a:endParaRPr lang="en-US"/>
           </a:p>
@@ -1065,7 +1527,7 @@
     </p:spTree>
     <p:extLst>
       <p:ext uri="{BB962C8B-B14F-4D97-AF65-F5344CB8AC3E}">
-        <p14:creationId xmlns:p14="http://schemas.microsoft.com/office/powerpoint/2010/main" val="1970232015"/>
+        <p14:creationId xmlns:p14="http://schemas.microsoft.com/office/powerpoint/2010/main" val="240475499"/>
       </p:ext>
     </p:extLst>
   </p:cSld>
@@ -1121,11 +1583,17 @@
           <a:p>
             <a:r>
               <a:rPr lang="en-US" smtClean="0"/>
-              <a:t>Cho điểm</a:t>
+              <a:t>Thông</a:t>
             </a:r>
             <a:r>
               <a:rPr lang="en-US" baseline="0" smtClean="0"/>
-              <a:t> mới ở đâu</a:t>
+              <a:t> tin không thông suốt, thường xuyên</a:t>
+            </a:r>
+          </a:p>
+          <a:p>
+            <a:r>
+              <a:rPr lang="en-US" baseline="0" smtClean="0"/>
+              <a:t>Sll chỉ liên lạc về điểm số</a:t>
             </a:r>
             <a:endParaRPr lang="en-US"/>
           </a:p>
@@ -1149,7 +1617,7 @@
             <a:fld id="{BBCD07B7-96F5-4C30-B1AE-663A2A3D75FB}" type="slidenum">
               <a:rPr lang="en-US" smtClean="0"/>
               <a:pPr/>
-              <a:t>8</a:t>
+              <a:t>5</a:t>
             </a:fld>
             <a:endParaRPr lang="en-US"/>
           </a:p>
@@ -1158,7 +1626,7 @@
     </p:spTree>
     <p:extLst>
       <p:ext uri="{BB962C8B-B14F-4D97-AF65-F5344CB8AC3E}">
-        <p14:creationId xmlns:p14="http://schemas.microsoft.com/office/powerpoint/2010/main" val="706118634"/>
+        <p14:creationId xmlns:p14="http://schemas.microsoft.com/office/powerpoint/2010/main" val="3660023666"/>
       </p:ext>
     </p:extLst>
   </p:cSld>
@@ -1214,11 +1682,21 @@
           <a:p>
             <a:r>
               <a:rPr lang="en-US" smtClean="0"/>
-              <a:t>Thông</a:t>
+              <a:t>Chinh vi vay em qd lua</a:t>
             </a:r>
             <a:r>
               <a:rPr lang="en-US" baseline="0" smtClean="0"/>
-              <a:t> tin ban đầu</a:t>
+              <a:t> chon de tai xd ws … de giai quyet bài toan nay </a:t>
+            </a:r>
+          </a:p>
+          <a:p>
+            <a:r>
+              <a:rPr lang="en-US" smtClean="0"/>
+              <a:t>Em</a:t>
+            </a:r>
+            <a:r>
+              <a:rPr lang="en-US" baseline="0" smtClean="0"/>
+              <a:t> sd pp phan tich tk hdt</a:t>
             </a:r>
             <a:endParaRPr lang="en-US"/>
           </a:p>
@@ -1242,7 +1720,7 @@
             <a:fld id="{BBCD07B7-96F5-4C30-B1AE-663A2A3D75FB}" type="slidenum">
               <a:rPr lang="en-US" smtClean="0"/>
               <a:pPr/>
-              <a:t>10</a:t>
+              <a:t>6</a:t>
             </a:fld>
             <a:endParaRPr lang="en-US"/>
           </a:p>
@@ -1251,7 +1729,7 @@
     </p:spTree>
     <p:extLst>
       <p:ext uri="{BB962C8B-B14F-4D97-AF65-F5344CB8AC3E}">
-        <p14:creationId xmlns:p14="http://schemas.microsoft.com/office/powerpoint/2010/main" val="932449242"/>
+        <p14:creationId xmlns:p14="http://schemas.microsoft.com/office/powerpoint/2010/main" val="3125019159"/>
       </p:ext>
     </p:extLst>
   </p:cSld>
@@ -1307,17 +1785,27 @@
           <a:p>
             <a:r>
               <a:rPr lang="en-US" smtClean="0"/>
-              <a:t>Thức</a:t>
+              <a:t>4 Tác</a:t>
             </a:r>
             <a:r>
               <a:rPr lang="en-US" baseline="0" smtClean="0"/>
-              <a:t> chất 2 mô hình vẫn là 1 nhưng để tiện theo dõi </a:t>
-            </a:r>
-            <a:r>
-              <a:rPr lang="en-US" baseline="0" smtClean="0">
-                <a:sym typeface="Wingdings" panose="05000000000000000000" pitchFamily="2" charset="2"/>
-              </a:rPr>
-              <a:t> tách làm 2(có tham khảo thầy cô rồi)</a:t>
+              <a:t> </a:t>
+            </a:r>
+            <a:r>
+              <a:rPr lang="en-US" baseline="0" smtClean="0"/>
+              <a:t>nhân</a:t>
+            </a:r>
+          </a:p>
+          <a:p>
+            <a:r>
+              <a:rPr lang="en-US" baseline="0" smtClean="0"/>
+              <a:t>Dua ra mo hinh uc tong the </a:t>
+            </a:r>
+          </a:p>
+          <a:p>
+            <a:r>
+              <a:rPr lang="en-US" baseline="0" smtClean="0"/>
+              <a:t>Cac uc chinh cua he thong : </a:t>
             </a:r>
             <a:endParaRPr lang="en-US"/>
           </a:p>
@@ -1341,7 +1829,7 @@
             <a:fld id="{BBCD07B7-96F5-4C30-B1AE-663A2A3D75FB}" type="slidenum">
               <a:rPr lang="en-US" smtClean="0"/>
               <a:pPr/>
-              <a:t>12</a:t>
+              <a:t>7</a:t>
             </a:fld>
             <a:endParaRPr lang="en-US"/>
           </a:p>
@@ -1350,7 +1838,7 @@
     </p:spTree>
     <p:extLst>
       <p:ext uri="{BB962C8B-B14F-4D97-AF65-F5344CB8AC3E}">
-        <p14:creationId xmlns:p14="http://schemas.microsoft.com/office/powerpoint/2010/main" val="1470594843"/>
+        <p14:creationId xmlns:p14="http://schemas.microsoft.com/office/powerpoint/2010/main" val="1970232015"/>
       </p:ext>
     </p:extLst>
   </p:cSld>
@@ -1406,11 +1894,11 @@
           <a:p>
             <a:r>
               <a:rPr lang="en-US" smtClean="0"/>
-              <a:t>Đề</a:t>
+              <a:t>Cho điểm</a:t>
             </a:r>
             <a:r>
               <a:rPr lang="en-US" baseline="0" smtClean="0"/>
-              <a:t> xuất sd: nhanh , ko mất phí, ko vi phạm bản quyền, </a:t>
+              <a:t> mới ở đâu</a:t>
             </a:r>
             <a:endParaRPr lang="en-US"/>
           </a:p>
@@ -1434,7 +1922,7 @@
             <a:fld id="{BBCD07B7-96F5-4C30-B1AE-663A2A3D75FB}" type="slidenum">
               <a:rPr lang="en-US" smtClean="0"/>
               <a:pPr/>
-              <a:t>14</a:t>
+              <a:t>8</a:t>
             </a:fld>
             <a:endParaRPr lang="en-US"/>
           </a:p>
@@ -1443,7 +1931,7 @@
     </p:spTree>
     <p:extLst>
       <p:ext uri="{BB962C8B-B14F-4D97-AF65-F5344CB8AC3E}">
-        <p14:creationId xmlns:p14="http://schemas.microsoft.com/office/powerpoint/2010/main" val="2643006378"/>
+        <p14:creationId xmlns:p14="http://schemas.microsoft.com/office/powerpoint/2010/main" val="706118634"/>
       </p:ext>
     </p:extLst>
   </p:cSld>
@@ -1499,21 +1987,11 @@
           <a:p>
             <a:r>
               <a:rPr lang="en-US" smtClean="0"/>
-              <a:t>Ngoài</a:t>
+              <a:t>Thông</a:t>
             </a:r>
             <a:r>
               <a:rPr lang="en-US" baseline="0" smtClean="0"/>
-              <a:t> những công nghệ như ajax, </a:t>
-            </a:r>
-            <a:r>
-              <a:rPr lang="en-US" baseline="0" smtClean="0"/>
-              <a:t>jquery </a:t>
-            </a:r>
-            <a:r>
-              <a:rPr lang="en-US" baseline="0" smtClean="0">
-                <a:sym typeface="Wingdings" panose="05000000000000000000" pitchFamily="2" charset="2"/>
-              </a:rPr>
-              <a:t> hien thi tot--.dac biet website cua emntn do</a:t>
+              <a:t> tin ban đầu</a:t>
             </a:r>
             <a:endParaRPr lang="en-US"/>
           </a:p>
@@ -1537,7 +2015,7 @@
             <a:fld id="{BBCD07B7-96F5-4C30-B1AE-663A2A3D75FB}" type="slidenum">
               <a:rPr lang="en-US" smtClean="0"/>
               <a:pPr/>
-              <a:t>15</a:t>
+              <a:t>10</a:t>
             </a:fld>
             <a:endParaRPr lang="en-US"/>
           </a:p>
@@ -1546,7 +2024,7 @@
     </p:spTree>
     <p:extLst>
       <p:ext uri="{BB962C8B-B14F-4D97-AF65-F5344CB8AC3E}">
-        <p14:creationId xmlns:p14="http://schemas.microsoft.com/office/powerpoint/2010/main" val="1940258816"/>
+        <p14:creationId xmlns:p14="http://schemas.microsoft.com/office/powerpoint/2010/main" val="932449242"/>
       </p:ext>
     </p:extLst>
   </p:cSld>
@@ -1602,11 +2080,31 @@
           <a:p>
             <a:r>
               <a:rPr lang="en-US" smtClean="0"/>
-              <a:t>De bao tri de lap trinh de</a:t>
+              <a:t>Thức</a:t>
             </a:r>
             <a:r>
               <a:rPr lang="en-US" baseline="0" smtClean="0"/>
-              <a:t> nang cap</a:t>
+              <a:t> chất 2 mô hình vẫn là 1 nhưng để tiện theo dõi </a:t>
+            </a:r>
+            <a:r>
+              <a:rPr lang="en-US" baseline="0" smtClean="0">
+                <a:sym typeface="Wingdings" panose="05000000000000000000" pitchFamily="2" charset="2"/>
+              </a:rPr>
+              <a:t> tách làm 2(có tham khảo thầy cô rồi</a:t>
+            </a:r>
+            <a:r>
+              <a:rPr lang="en-US" baseline="0" smtClean="0">
+                <a:sym typeface="Wingdings" panose="05000000000000000000" pitchFamily="2" charset="2"/>
+              </a:rPr>
+              <a:t>)</a:t>
+            </a:r>
+          </a:p>
+          <a:p>
+            <a:r>
+              <a:rPr lang="en-US" baseline="0" smtClean="0">
+                <a:sym typeface="Wingdings" panose="05000000000000000000" pitchFamily="2" charset="2"/>
+              </a:rPr>
+              <a:t>Trong mo hinh co nhung bang dl lien quan den</a:t>
             </a:r>
             <a:endParaRPr lang="en-US"/>
           </a:p>
@@ -1630,7 +2128,7 @@
             <a:fld id="{BBCD07B7-96F5-4C30-B1AE-663A2A3D75FB}" type="slidenum">
               <a:rPr lang="en-US" smtClean="0"/>
               <a:pPr/>
-              <a:t>16</a:t>
+              <a:t>12</a:t>
             </a:fld>
             <a:endParaRPr lang="en-US"/>
           </a:p>
@@ -1639,7 +2137,7 @@
     </p:spTree>
     <p:extLst>
       <p:ext uri="{BB962C8B-B14F-4D97-AF65-F5344CB8AC3E}">
-        <p14:creationId xmlns:p14="http://schemas.microsoft.com/office/powerpoint/2010/main" val="3248391909"/>
+        <p14:creationId xmlns:p14="http://schemas.microsoft.com/office/powerpoint/2010/main" val="1470594843"/>
       </p:ext>
     </p:extLst>
   </p:cSld>
@@ -7062,7 +7560,7 @@
         </p:blipFill>
         <p:spPr>
           <a:xfrm>
-            <a:off x="1143000" y="2286000"/>
+            <a:off x="1219200" y="2286000"/>
             <a:ext cx="7010400" cy="4078923"/>
           </a:xfrm>
           <a:prstGeom prst="rect">
@@ -7889,7 +8387,11 @@
             </a:r>
             <a:r>
               <a:rPr lang="en-US" smtClean="0"/>
-              <a:t> dung</a:t>
+              <a:t> </a:t>
+            </a:r>
+            <a:r>
+              <a:rPr lang="en-US" smtClean="0"/>
+              <a:t>dung trình bày</a:t>
             </a:r>
             <a:endParaRPr lang="en-US"/>
           </a:p>
@@ -9837,25 +10339,7 @@
                 </a:solidFill>
                 <a:latin typeface="+mj-lt"/>
               </a:rPr>
-              <a:t>Hoàn thiện chương trình để hiển </a:t>
-            </a:r>
-            <a:r>
-              <a:rPr lang="en-US" sz="2000" smtClean="0">
-                <a:solidFill>
-                  <a:srgbClr val="000000"/>
-                </a:solidFill>
-                <a:latin typeface="+mj-lt"/>
-              </a:rPr>
-              <a:t>thị đẹp, </a:t>
-            </a:r>
-            <a:r>
-              <a:rPr lang="en-US" sz="2000" smtClean="0">
-                <a:solidFill>
-                  <a:srgbClr val="000000"/>
-                </a:solidFill>
-                <a:latin typeface="+mj-lt"/>
-              </a:rPr>
-              <a:t>chạy tốt trên các thiết bị di động</a:t>
+              <a:t>Hoàn thiện chương trình để hiển thị đẹp, chạy tốt trên các thiết bị di động</a:t>
             </a:r>
           </a:p>
           <a:p>
@@ -10489,13 +10973,8 @@
                 </a:solidFill>
                 <a:latin typeface="+mj-lt"/>
               </a:rPr>
-              <a:t>Phát hiện khó khăn, thắc mắc và</a:t>
-            </a:r>
-          </a:p>
-          <a:p>
-            <a:pPr marL="914400" lvl="2" indent="0">
-              <a:buNone/>
-            </a:pPr>
+              <a:t>Phát hiện khó khăn, thắc </a:t>
+            </a:r>
             <a:r>
               <a:rPr lang="en-US" sz="2000" smtClean="0">
                 <a:solidFill>
@@ -10505,7 +10984,50 @@
                 </a:solidFill>
                 <a:latin typeface="+mj-lt"/>
               </a:rPr>
-              <a:t>    cùng gia đình tháo gỡ </a:t>
+              <a:t>mắc</a:t>
+            </a:r>
+          </a:p>
+          <a:p>
+            <a:pPr marL="914400" lvl="2" indent="0">
+              <a:buNone/>
+            </a:pPr>
+            <a:r>
+              <a:rPr lang="en-US" sz="2000" smtClean="0">
+                <a:solidFill>
+                  <a:schemeClr val="bg2">
+                    <a:lumMod val="10000"/>
+                  </a:schemeClr>
+                </a:solidFill>
+                <a:latin typeface="+mj-lt"/>
+              </a:rPr>
+              <a:t>   chưa thể tự vượt qua của học sinh</a:t>
+            </a:r>
+          </a:p>
+          <a:p>
+            <a:pPr marL="914400" lvl="2" indent="0">
+              <a:buNone/>
+            </a:pPr>
+            <a:r>
+              <a:rPr lang="en-US" sz="2000" smtClean="0">
+                <a:solidFill>
+                  <a:schemeClr val="bg2">
+                    <a:lumMod val="10000"/>
+                  </a:schemeClr>
+                </a:solidFill>
+                <a:latin typeface="+mj-lt"/>
+              </a:rPr>
+              <a:t>   và cùng </a:t>
+            </a:r>
+            <a:r>
+              <a:rPr lang="en-US" sz="2000" smtClean="0">
+                <a:solidFill>
+                  <a:schemeClr val="bg2">
+                    <a:lumMod val="10000"/>
+                  </a:schemeClr>
+                </a:solidFill>
+                <a:latin typeface="+mj-lt"/>
+              </a:rPr>
+              <a:t>gia đình tháo gỡ </a:t>
             </a:r>
           </a:p>
           <a:p>
@@ -10567,7 +11089,7 @@
         </p:blipFill>
         <p:spPr bwMode="auto">
           <a:xfrm>
-            <a:off x="4953000" y="3200400"/>
+            <a:off x="4876800" y="3200400"/>
             <a:ext cx="4191000" cy="2971800"/>
           </a:xfrm>
           <a:prstGeom prst="rect">
@@ -10828,7 +11350,7 @@
           <p:nvPr/>
         </p:nvPicPr>
         <p:blipFill>
-          <a:blip r:embed="rId2"/>
+          <a:blip r:embed="rId3"/>
           <a:stretch>
             <a:fillRect/>
           </a:stretch>
@@ -10852,7 +11374,7 @@
           <p:nvPr/>
         </p:nvPicPr>
         <p:blipFill>
-          <a:blip r:embed="rId3"/>
+          <a:blip r:embed="rId4"/>
           <a:stretch>
             <a:fillRect/>
           </a:stretch>
@@ -11651,18 +12173,7 @@
                 </a:solidFill>
                 <a:latin typeface="+mj-lt"/>
               </a:rPr>
-              <a:t>Xây dựng website liên lạc giữa gia đình và nhà </a:t>
-            </a:r>
-            <a:r>
-              <a:rPr lang="en-US" smtClean="0">
-                <a:solidFill>
-                  <a:schemeClr val="bg2">
-                    <a:lumMod val="10000"/>
-                  </a:schemeClr>
-                </a:solidFill>
-                <a:latin typeface="+mj-lt"/>
-              </a:rPr>
-              <a:t>trường</a:t>
+              <a:t>Xây dựng website liên lạc giữa gia đình và nhà trường</a:t>
             </a:r>
           </a:p>
           <a:p>
@@ -11682,18 +12193,7 @@
                 </a:solidFill>
                 <a:latin typeface="+mj-lt"/>
               </a:rPr>
-              <a:t>Phân tích thiết kế hệ thống theo hướng </a:t>
-            </a:r>
-            <a:r>
-              <a:rPr lang="en-US" b="1">
-                <a:solidFill>
-                  <a:schemeClr val="bg2">
-                    <a:lumMod val="10000"/>
-                  </a:schemeClr>
-                </a:solidFill>
-                <a:latin typeface="+mj-lt"/>
-              </a:rPr>
-              <a:t>đối </a:t>
+              <a:t>Phân tích thiết kế hệ thống theo hướng đối </a:t>
             </a:r>
             <a:r>
               <a:rPr lang="en-US" b="1" smtClean="0">
@@ -11706,14 +12206,6 @@
               </a:rPr>
               <a:t>tượng</a:t>
             </a:r>
-            <a:endParaRPr lang="en-US" b="1" smtClean="0">
-              <a:solidFill>
-                <a:schemeClr val="bg2">
-                  <a:lumMod val="10000"/>
-                </a:schemeClr>
-              </a:solidFill>
-              <a:latin typeface="+mj-lt"/>
-            </a:endParaRPr>
           </a:p>
           <a:p>
             <a:r>
@@ -11739,18 +12231,7 @@
                 </a:solidFill>
                 <a:latin typeface="+mj-lt"/>
               </a:rPr>
-              <a:t>Xây </a:t>
-            </a:r>
-            <a:r>
-              <a:rPr lang="en-US" smtClean="0">
-                <a:solidFill>
-                  <a:schemeClr val="bg2">
-                    <a:lumMod val="10000"/>
-                  </a:schemeClr>
-                </a:solidFill>
-                <a:latin typeface="+mj-lt"/>
-              </a:rPr>
-              <a:t>dựng các mô hình chức năng</a:t>
+              <a:t>Xây dựng các mô hình chức năng</a:t>
             </a:r>
           </a:p>
           <a:p>
